--- a/papers/lentiptical/images/Presentation.pptx
+++ b/papers/lentiptical/images/Presentation.pptx
@@ -288,7 +288,7 @@
           <a:p>
             <a:fld id="{F816962A-DF71-A040-9B55-BD95B446D1F8}" type="datetimeFigureOut">
               <a:rPr lang="en-US" smtClean="0"/>
-              <a:t>7/7/15</a:t>
+              <a:t>22/07/15</a:t>
             </a:fld>
             <a:endParaRPr lang="en-US"/>
           </a:p>
@@ -458,7 +458,7 @@
           <a:p>
             <a:fld id="{F816962A-DF71-A040-9B55-BD95B446D1F8}" type="datetimeFigureOut">
               <a:rPr lang="en-US" smtClean="0"/>
-              <a:t>7/7/15</a:t>
+              <a:t>22/07/15</a:t>
             </a:fld>
             <a:endParaRPr lang="en-US"/>
           </a:p>
@@ -638,7 +638,7 @@
           <a:p>
             <a:fld id="{F816962A-DF71-A040-9B55-BD95B446D1F8}" type="datetimeFigureOut">
               <a:rPr lang="en-US" smtClean="0"/>
-              <a:t>7/7/15</a:t>
+              <a:t>22/07/15</a:t>
             </a:fld>
             <a:endParaRPr lang="en-US"/>
           </a:p>
@@ -808,7 +808,7 @@
           <a:p>
             <a:fld id="{F816962A-DF71-A040-9B55-BD95B446D1F8}" type="datetimeFigureOut">
               <a:rPr lang="en-US" smtClean="0"/>
-              <a:t>7/7/15</a:t>
+              <a:t>22/07/15</a:t>
             </a:fld>
             <a:endParaRPr lang="en-US"/>
           </a:p>
@@ -1054,7 +1054,7 @@
           <a:p>
             <a:fld id="{F816962A-DF71-A040-9B55-BD95B446D1F8}" type="datetimeFigureOut">
               <a:rPr lang="en-US" smtClean="0"/>
-              <a:t>7/7/15</a:t>
+              <a:t>22/07/15</a:t>
             </a:fld>
             <a:endParaRPr lang="en-US"/>
           </a:p>
@@ -1342,7 +1342,7 @@
           <a:p>
             <a:fld id="{F816962A-DF71-A040-9B55-BD95B446D1F8}" type="datetimeFigureOut">
               <a:rPr lang="en-US" smtClean="0"/>
-              <a:t>7/7/15</a:t>
+              <a:t>22/07/15</a:t>
             </a:fld>
             <a:endParaRPr lang="en-US"/>
           </a:p>
@@ -1764,7 +1764,7 @@
           <a:p>
             <a:fld id="{F816962A-DF71-A040-9B55-BD95B446D1F8}" type="datetimeFigureOut">
               <a:rPr lang="en-US" smtClean="0"/>
-              <a:t>7/7/15</a:t>
+              <a:t>22/07/15</a:t>
             </a:fld>
             <a:endParaRPr lang="en-US"/>
           </a:p>
@@ -1882,7 +1882,7 @@
           <a:p>
             <a:fld id="{F816962A-DF71-A040-9B55-BD95B446D1F8}" type="datetimeFigureOut">
               <a:rPr lang="en-US" smtClean="0"/>
-              <a:t>7/7/15</a:t>
+              <a:t>22/07/15</a:t>
             </a:fld>
             <a:endParaRPr lang="en-US"/>
           </a:p>
@@ -1977,7 +1977,7 @@
           <a:p>
             <a:fld id="{F816962A-DF71-A040-9B55-BD95B446D1F8}" type="datetimeFigureOut">
               <a:rPr lang="en-US" smtClean="0"/>
-              <a:t>7/7/15</a:t>
+              <a:t>22/07/15</a:t>
             </a:fld>
             <a:endParaRPr lang="en-US"/>
           </a:p>
@@ -2254,7 +2254,7 @@
           <a:p>
             <a:fld id="{F816962A-DF71-A040-9B55-BD95B446D1F8}" type="datetimeFigureOut">
               <a:rPr lang="en-US" smtClean="0"/>
-              <a:t>7/7/15</a:t>
+              <a:t>22/07/15</a:t>
             </a:fld>
             <a:endParaRPr lang="en-US"/>
           </a:p>
@@ -2507,7 +2507,7 @@
           <a:p>
             <a:fld id="{F816962A-DF71-A040-9B55-BD95B446D1F8}" type="datetimeFigureOut">
               <a:rPr lang="en-US" smtClean="0"/>
-              <a:t>7/7/15</a:t>
+              <a:t>22/07/15</a:t>
             </a:fld>
             <a:endParaRPr lang="en-US"/>
           </a:p>
@@ -2720,7 +2720,7 @@
           <a:p>
             <a:fld id="{F816962A-DF71-A040-9B55-BD95B446D1F8}" type="datetimeFigureOut">
               <a:rPr lang="en-US" smtClean="0"/>
-              <a:t>7/7/15</a:t>
+              <a:t>22/07/15</a:t>
             </a:fld>
             <a:endParaRPr lang="en-US"/>
           </a:p>
@@ -3117,7 +3117,7 @@
           <a:prstGeom prst="straightConnector1">
             <a:avLst/>
           </a:prstGeom>
-          <a:ln>
+          <a:ln w="57150" cmpd="sng">
             <a:solidFill>
               <a:srgbClr val="FFFFFF"/>
             </a:solidFill>
@@ -3154,7 +3154,7 @@
           <a:prstGeom prst="straightConnector1">
             <a:avLst/>
           </a:prstGeom>
-          <a:ln>
+          <a:ln w="57150" cmpd="sng">
             <a:solidFill>
               <a:schemeClr val="bg1"/>
             </a:solidFill>
@@ -3192,6 +3192,9 @@
             <a:avLst/>
           </a:prstGeom>
           <a:noFill/>
+          <a:ln w="57150" cmpd="sng">
+            <a:noFill/>
+          </a:ln>
         </p:spPr>
         <p:txBody>
           <a:bodyPr wrap="square" rtlCol="0">
@@ -3201,7 +3204,7 @@
           <a:p>
             <a:pPr algn="ctr"/>
             <a:r>
-              <a:rPr lang="en-US" sz="1400" dirty="0" smtClean="0">
+              <a:rPr lang="en-US" sz="1400" b="1" i="1" dirty="0" smtClean="0">
                 <a:solidFill>
                   <a:srgbClr val="FFFFFF"/>
                 </a:solidFill>
@@ -3266,7 +3269,7 @@
             </a:pathLst>
           </a:custGeom>
           <a:noFill/>
-          <a:ln>
+          <a:ln w="57150" cmpd="sng">
             <a:solidFill>
               <a:srgbClr val="FF0000"/>
             </a:solidFill>
@@ -3291,7 +3294,7 @@
           <a:lstStyle/>
           <a:p>
             <a:pPr algn="ctr"/>
-            <a:endParaRPr lang="en-US"/>
+            <a:endParaRPr lang="en-US" b="1" i="1"/>
           </a:p>
         </p:txBody>
       </p:sp>
@@ -3309,7 +3312,7 @@
           <a:prstGeom prst="line">
             <a:avLst/>
           </a:prstGeom>
-          <a:ln>
+          <a:ln w="57150" cmpd="sng">
             <a:solidFill>
               <a:srgbClr val="0247FF"/>
             </a:solidFill>
@@ -3344,7 +3347,7 @@
           <a:prstGeom prst="straightConnector1">
             <a:avLst/>
           </a:prstGeom>
-          <a:ln>
+          <a:ln w="57150" cmpd="sng">
             <a:solidFill>
               <a:srgbClr val="FFFFFF"/>
             </a:solidFill>
@@ -3381,7 +3384,7 @@
           <a:prstGeom prst="straightConnector1">
             <a:avLst/>
           </a:prstGeom>
-          <a:ln>
+          <a:ln w="57150" cmpd="sng">
             <a:solidFill>
               <a:schemeClr val="bg1"/>
             </a:solidFill>
@@ -3419,6 +3422,9 @@
             <a:avLst/>
           </a:prstGeom>
           <a:noFill/>
+          <a:ln w="57150" cmpd="sng">
+            <a:noFill/>
+          </a:ln>
         </p:spPr>
         <p:txBody>
           <a:bodyPr wrap="square" rtlCol="0">
@@ -3428,7 +3434,7 @@
           <a:p>
             <a:pPr algn="ctr"/>
             <a:r>
-              <a:rPr lang="en-US" sz="1400" dirty="0" smtClean="0">
+              <a:rPr lang="en-US" sz="1400" b="1" i="1" dirty="0" smtClean="0">
                 <a:solidFill>
                   <a:srgbClr val="FFFFFF"/>
                 </a:solidFill>
@@ -3455,6 +3461,9 @@
             <a:avLst/>
           </a:prstGeom>
           <a:noFill/>
+          <a:ln w="57150" cmpd="sng">
+            <a:noFill/>
+          </a:ln>
         </p:spPr>
         <p:txBody>
           <a:bodyPr wrap="square" rtlCol="0">
@@ -3464,7 +3473,7 @@
           <a:p>
             <a:pPr algn="ctr"/>
             <a:r>
-              <a:rPr lang="en-US" sz="1400" dirty="0" err="1" smtClean="0">
+              <a:rPr lang="en-US" sz="1400" b="1" i="1" dirty="0" smtClean="0">
                 <a:solidFill>
                   <a:srgbClr val="FFFFFF"/>
                 </a:solidFill>
@@ -3473,13 +3482,6 @@
               </a:rPr>
               <a:t>ellipticity</a:t>
             </a:r>
-            <a:endParaRPr lang="en-US" sz="1400" dirty="0" smtClean="0">
-              <a:solidFill>
-                <a:srgbClr val="FFFFFF"/>
-              </a:solidFill>
-              <a:latin typeface="Century Gothic"/>
-              <a:cs typeface="Century Gothic"/>
-            </a:endParaRPr>
           </a:p>
         </p:txBody>
       </p:sp>
@@ -3563,7 +3565,7 @@
               </a:path>
             </a:pathLst>
           </a:custGeom>
-          <a:ln>
+          <a:ln w="57150" cmpd="sng">
             <a:solidFill>
               <a:schemeClr val="bg1"/>
             </a:solidFill>
@@ -3589,7 +3591,7 @@
           <a:lstStyle/>
           <a:p>
             <a:pPr algn="ctr"/>
-            <a:endParaRPr lang="en-US"/>
+            <a:endParaRPr lang="en-US" b="1" i="1"/>
           </a:p>
         </p:txBody>
       </p:sp>
@@ -3607,7 +3609,7 @@
           <a:prstGeom prst="straightConnector1">
             <a:avLst/>
           </a:prstGeom>
-          <a:ln>
+          <a:ln w="57150" cmpd="sng">
             <a:solidFill>
               <a:srgbClr val="FFFFFF"/>
             </a:solidFill>
@@ -3644,7 +3646,7 @@
           <a:prstGeom prst="straightConnector1">
             <a:avLst/>
           </a:prstGeom>
-          <a:ln>
+          <a:ln w="57150" cmpd="sng">
             <a:solidFill>
               <a:schemeClr val="bg1"/>
             </a:solidFill>
@@ -3682,6 +3684,9 @@
             <a:avLst/>
           </a:prstGeom>
           <a:noFill/>
+          <a:ln w="57150" cmpd="sng">
+            <a:noFill/>
+          </a:ln>
         </p:spPr>
         <p:txBody>
           <a:bodyPr wrap="square" rtlCol="0">
@@ -3691,7 +3696,7 @@
           <a:p>
             <a:pPr algn="ctr"/>
             <a:r>
-              <a:rPr lang="en-US" sz="1400" dirty="0" smtClean="0">
+              <a:rPr lang="en-US" sz="1400" b="1" i="1" dirty="0" smtClean="0">
                 <a:solidFill>
                   <a:srgbClr val="FFFFFF"/>
                 </a:solidFill>
@@ -3717,7 +3722,7 @@
           <a:prstGeom prst="line">
             <a:avLst/>
           </a:prstGeom>
-          <a:ln>
+          <a:ln w="57150" cmpd="sng">
             <a:solidFill>
               <a:srgbClr val="0247FF"/>
             </a:solidFill>
@@ -3752,7 +3757,7 @@
           <a:prstGeom prst="straightConnector1">
             <a:avLst/>
           </a:prstGeom>
-          <a:ln>
+          <a:ln w="57150" cmpd="sng">
             <a:solidFill>
               <a:srgbClr val="FFFFFF"/>
             </a:solidFill>
@@ -3789,7 +3794,7 @@
           <a:prstGeom prst="straightConnector1">
             <a:avLst/>
           </a:prstGeom>
-          <a:ln>
+          <a:ln w="57150" cmpd="sng">
             <a:solidFill>
               <a:schemeClr val="bg1"/>
             </a:solidFill>
@@ -3827,6 +3832,11 @@
             <a:avLst/>
           </a:prstGeom>
           <a:noFill/>
+          <a:ln w="57150" cmpd="sng">
+            <a:solidFill>
+              <a:schemeClr val="tx1"/>
+            </a:solidFill>
+          </a:ln>
         </p:spPr>
         <p:txBody>
           <a:bodyPr wrap="square" rtlCol="0">
@@ -3836,7 +3846,7 @@
           <a:p>
             <a:pPr algn="ctr"/>
             <a:r>
-              <a:rPr lang="en-US" sz="1400" dirty="0" smtClean="0">
+              <a:rPr lang="en-US" sz="1400" b="1" i="1" dirty="0" smtClean="0">
                 <a:solidFill>
                   <a:srgbClr val="FFFFFF"/>
                 </a:solidFill>
@@ -3863,6 +3873,9 @@
             <a:avLst/>
           </a:prstGeom>
           <a:noFill/>
+          <a:ln w="57150" cmpd="sng">
+            <a:noFill/>
+          </a:ln>
         </p:spPr>
         <p:txBody>
           <a:bodyPr wrap="square" rtlCol="0">
@@ -3872,7 +3885,7 @@
           <a:p>
             <a:pPr algn="ctr"/>
             <a:r>
-              <a:rPr lang="en-US" sz="1400" dirty="0" err="1" smtClean="0">
+              <a:rPr lang="en-US" sz="1400" b="1" i="1" dirty="0" smtClean="0">
                 <a:solidFill>
                   <a:srgbClr val="FFFFFF"/>
                 </a:solidFill>
@@ -3881,13 +3894,6 @@
               </a:rPr>
               <a:t>ellipticity</a:t>
             </a:r>
-            <a:endParaRPr lang="en-US" sz="1400" dirty="0" smtClean="0">
-              <a:solidFill>
-                <a:srgbClr val="FFFFFF"/>
-              </a:solidFill>
-              <a:latin typeface="Century Gothic"/>
-              <a:cs typeface="Century Gothic"/>
-            </a:endParaRPr>
           </a:p>
         </p:txBody>
       </p:sp>
@@ -3963,7 +3969,7 @@
               </a:path>
             </a:pathLst>
           </a:custGeom>
-          <a:ln>
+          <a:ln w="57150" cmpd="sng">
             <a:solidFill>
               <a:srgbClr val="FF0000"/>
             </a:solidFill>
@@ -3988,7 +3994,7 @@
           <a:lstStyle/>
           <a:p>
             <a:pPr algn="ctr"/>
-            <a:endParaRPr lang="en-US"/>
+            <a:endParaRPr lang="en-US" b="1" i="1"/>
           </a:p>
         </p:txBody>
       </p:sp>
@@ -4074,7 +4080,7 @@
               </a:path>
             </a:pathLst>
           </a:custGeom>
-          <a:ln>
+          <a:ln w="57150" cmpd="sng">
             <a:solidFill>
               <a:schemeClr val="bg1"/>
             </a:solidFill>
@@ -4100,7 +4106,7 @@
           <a:lstStyle/>
           <a:p>
             <a:pPr algn="ctr"/>
-            <a:endParaRPr lang="en-US"/>
+            <a:endParaRPr lang="en-US" b="1" i="1"/>
           </a:p>
         </p:txBody>
       </p:sp>
@@ -4118,7 +4124,7 @@
           <a:prstGeom prst="line">
             <a:avLst/>
           </a:prstGeom>
-          <a:ln>
+          <a:ln w="57150" cmpd="sng">
             <a:solidFill>
               <a:srgbClr val="FFFFFF"/>
             </a:solidFill>
@@ -4155,7 +4161,7 @@
           <a:prstGeom prst="straightConnector1">
             <a:avLst/>
           </a:prstGeom>
-          <a:ln>
+          <a:ln w="57150" cmpd="sng">
             <a:solidFill>
               <a:srgbClr val="FFFFFF"/>
             </a:solidFill>
@@ -4192,7 +4198,7 @@
           <a:prstGeom prst="straightConnector1">
             <a:avLst/>
           </a:prstGeom>
-          <a:ln>
+          <a:ln w="57150" cmpd="sng">
             <a:solidFill>
               <a:schemeClr val="bg1"/>
             </a:solidFill>
@@ -4230,6 +4236,9 @@
             <a:avLst/>
           </a:prstGeom>
           <a:noFill/>
+          <a:ln w="57150" cmpd="sng">
+            <a:noFill/>
+          </a:ln>
         </p:spPr>
         <p:txBody>
           <a:bodyPr wrap="square" rtlCol="0">
@@ -4239,7 +4248,7 @@
           <a:p>
             <a:pPr algn="ctr"/>
             <a:r>
-              <a:rPr lang="en-US" sz="1400" dirty="0" smtClean="0">
+              <a:rPr lang="en-US" sz="1400" b="1" i="1" dirty="0" smtClean="0">
                 <a:solidFill>
                   <a:srgbClr val="FFFFFF"/>
                 </a:solidFill>
@@ -4265,7 +4274,7 @@
           <a:prstGeom prst="line">
             <a:avLst/>
           </a:prstGeom>
-          <a:ln>
+          <a:ln w="57150" cmpd="sng">
             <a:solidFill>
               <a:srgbClr val="0247FF"/>
             </a:solidFill>
@@ -4300,7 +4309,7 @@
           <a:prstGeom prst="straightConnector1">
             <a:avLst/>
           </a:prstGeom>
-          <a:ln>
+          <a:ln w="57150" cmpd="sng">
             <a:solidFill>
               <a:srgbClr val="FFFFFF"/>
             </a:solidFill>
@@ -4337,7 +4346,7 @@
           <a:prstGeom prst="straightConnector1">
             <a:avLst/>
           </a:prstGeom>
-          <a:ln>
+          <a:ln w="57150" cmpd="sng">
             <a:solidFill>
               <a:schemeClr val="bg1"/>
             </a:solidFill>
@@ -4375,6 +4384,9 @@
             <a:avLst/>
           </a:prstGeom>
           <a:noFill/>
+          <a:ln w="57150" cmpd="sng">
+            <a:noFill/>
+          </a:ln>
         </p:spPr>
         <p:txBody>
           <a:bodyPr wrap="square" rtlCol="0">
@@ -4384,7 +4396,7 @@
           <a:p>
             <a:pPr algn="ctr"/>
             <a:r>
-              <a:rPr lang="en-US" sz="1400" dirty="0" smtClean="0">
+              <a:rPr lang="en-US" sz="1400" b="1" i="1" dirty="0" smtClean="0">
                 <a:solidFill>
                   <a:srgbClr val="FFFFFF"/>
                 </a:solidFill>
@@ -4411,6 +4423,9 @@
             <a:avLst/>
           </a:prstGeom>
           <a:noFill/>
+          <a:ln w="57150" cmpd="sng">
+            <a:noFill/>
+          </a:ln>
         </p:spPr>
         <p:txBody>
           <a:bodyPr wrap="square" rtlCol="0">
@@ -4420,7 +4435,7 @@
           <a:p>
             <a:pPr algn="ctr"/>
             <a:r>
-              <a:rPr lang="en-US" sz="1400" dirty="0" err="1" smtClean="0">
+              <a:rPr lang="en-US" sz="1400" b="1" i="1" dirty="0" smtClean="0">
                 <a:solidFill>
                   <a:srgbClr val="FFFFFF"/>
                 </a:solidFill>
@@ -4429,13 +4444,6 @@
               </a:rPr>
               <a:t>ellipticity</a:t>
             </a:r>
-            <a:endParaRPr lang="en-US" sz="1400" dirty="0" smtClean="0">
-              <a:solidFill>
-                <a:srgbClr val="FFFFFF"/>
-              </a:solidFill>
-              <a:latin typeface="Century Gothic"/>
-              <a:cs typeface="Century Gothic"/>
-            </a:endParaRPr>
           </a:p>
         </p:txBody>
       </p:sp>
@@ -4511,7 +4519,7 @@
               </a:path>
             </a:pathLst>
           </a:custGeom>
-          <a:ln>
+          <a:ln w="57150" cmpd="sng">
             <a:solidFill>
               <a:srgbClr val="FF0000"/>
             </a:solidFill>
@@ -4536,7 +4544,7 @@
           <a:lstStyle/>
           <a:p>
             <a:pPr algn="ctr"/>
-            <a:endParaRPr lang="en-US"/>
+            <a:endParaRPr lang="en-US" b="1" i="1"/>
           </a:p>
         </p:txBody>
       </p:sp>
@@ -4610,7 +4618,7 @@
               </a:path>
             </a:pathLst>
           </a:custGeom>
-          <a:ln>
+          <a:ln w="57150" cmpd="sng">
             <a:solidFill>
               <a:srgbClr val="FFFFFF"/>
             </a:solidFill>
@@ -4635,7 +4643,7 @@
           <a:lstStyle/>
           <a:p>
             <a:pPr algn="ctr"/>
-            <a:endParaRPr lang="en-US"/>
+            <a:endParaRPr lang="en-US" b="1" i="1"/>
           </a:p>
         </p:txBody>
       </p:sp>
@@ -4654,6 +4662,9 @@
             <a:avLst/>
           </a:prstGeom>
           <a:noFill/>
+          <a:ln>
+            <a:noFill/>
+          </a:ln>
         </p:spPr>
         <p:txBody>
           <a:bodyPr wrap="square" rtlCol="0">
@@ -4672,13 +4683,6 @@
               </a:rPr>
               <a:t>large-scale disk</a:t>
             </a:r>
-            <a:endParaRPr lang="en-US" b="1" dirty="0" smtClean="0">
-              <a:solidFill>
-                <a:srgbClr val="FFFFFF"/>
-              </a:solidFill>
-              <a:latin typeface="Century Gothic"/>
-              <a:cs typeface="Century Gothic"/>
-            </a:endParaRPr>
           </a:p>
         </p:txBody>
       </p:sp>
@@ -4697,6 +4701,9 @@
             <a:avLst/>
           </a:prstGeom>
           <a:noFill/>
+          <a:ln>
+            <a:noFill/>
+          </a:ln>
         </p:spPr>
         <p:txBody>
           <a:bodyPr wrap="square" rtlCol="0">
@@ -4715,13 +4722,6 @@
               </a:rPr>
               <a:t>intermediate-scale disk</a:t>
             </a:r>
-            <a:endParaRPr lang="en-US" b="1" dirty="0" smtClean="0">
-              <a:solidFill>
-                <a:srgbClr val="FFFFFF"/>
-              </a:solidFill>
-              <a:latin typeface="Century Gothic"/>
-              <a:cs typeface="Century Gothic"/>
-            </a:endParaRPr>
           </a:p>
         </p:txBody>
       </p:sp>
@@ -4740,6 +4740,9 @@
             <a:avLst/>
           </a:prstGeom>
           <a:noFill/>
+          <a:ln>
+            <a:noFill/>
+          </a:ln>
         </p:spPr>
         <p:txBody>
           <a:bodyPr wrap="square" rtlCol="0">
@@ -4758,13 +4761,6 @@
               </a:rPr>
               <a:t>nuclear disk</a:t>
             </a:r>
-            <a:endParaRPr lang="en-US" b="1" dirty="0" smtClean="0">
-              <a:solidFill>
-                <a:srgbClr val="FFFFFF"/>
-              </a:solidFill>
-              <a:latin typeface="Century Gothic"/>
-              <a:cs typeface="Century Gothic"/>
-            </a:endParaRPr>
           </a:p>
         </p:txBody>
       </p:sp>

--- a/papers/lentiptical/images/Presentation.pptx
+++ b/papers/lentiptical/images/Presentation.pptx
@@ -288,7 +288,7 @@
           <a:p>
             <a:fld id="{F816962A-DF71-A040-9B55-BD95B446D1F8}" type="datetimeFigureOut">
               <a:rPr lang="en-US" smtClean="0"/>
-              <a:t>22/07/15</a:t>
+              <a:t>31/07/15</a:t>
             </a:fld>
             <a:endParaRPr lang="en-US"/>
           </a:p>
@@ -458,7 +458,7 @@
           <a:p>
             <a:fld id="{F816962A-DF71-A040-9B55-BD95B446D1F8}" type="datetimeFigureOut">
               <a:rPr lang="en-US" smtClean="0"/>
-              <a:t>22/07/15</a:t>
+              <a:t>31/07/15</a:t>
             </a:fld>
             <a:endParaRPr lang="en-US"/>
           </a:p>
@@ -638,7 +638,7 @@
           <a:p>
             <a:fld id="{F816962A-DF71-A040-9B55-BD95B446D1F8}" type="datetimeFigureOut">
               <a:rPr lang="en-US" smtClean="0"/>
-              <a:t>22/07/15</a:t>
+              <a:t>31/07/15</a:t>
             </a:fld>
             <a:endParaRPr lang="en-US"/>
           </a:p>
@@ -808,7 +808,7 @@
           <a:p>
             <a:fld id="{F816962A-DF71-A040-9B55-BD95B446D1F8}" type="datetimeFigureOut">
               <a:rPr lang="en-US" smtClean="0"/>
-              <a:t>22/07/15</a:t>
+              <a:t>31/07/15</a:t>
             </a:fld>
             <a:endParaRPr lang="en-US"/>
           </a:p>
@@ -1054,7 +1054,7 @@
           <a:p>
             <a:fld id="{F816962A-DF71-A040-9B55-BD95B446D1F8}" type="datetimeFigureOut">
               <a:rPr lang="en-US" smtClean="0"/>
-              <a:t>22/07/15</a:t>
+              <a:t>31/07/15</a:t>
             </a:fld>
             <a:endParaRPr lang="en-US"/>
           </a:p>
@@ -1342,7 +1342,7 @@
           <a:p>
             <a:fld id="{F816962A-DF71-A040-9B55-BD95B446D1F8}" type="datetimeFigureOut">
               <a:rPr lang="en-US" smtClean="0"/>
-              <a:t>22/07/15</a:t>
+              <a:t>31/07/15</a:t>
             </a:fld>
             <a:endParaRPr lang="en-US"/>
           </a:p>
@@ -1764,7 +1764,7 @@
           <a:p>
             <a:fld id="{F816962A-DF71-A040-9B55-BD95B446D1F8}" type="datetimeFigureOut">
               <a:rPr lang="en-US" smtClean="0"/>
-              <a:t>22/07/15</a:t>
+              <a:t>31/07/15</a:t>
             </a:fld>
             <a:endParaRPr lang="en-US"/>
           </a:p>
@@ -1882,7 +1882,7 @@
           <a:p>
             <a:fld id="{F816962A-DF71-A040-9B55-BD95B446D1F8}" type="datetimeFigureOut">
               <a:rPr lang="en-US" smtClean="0"/>
-              <a:t>22/07/15</a:t>
+              <a:t>31/07/15</a:t>
             </a:fld>
             <a:endParaRPr lang="en-US"/>
           </a:p>
@@ -1977,7 +1977,7 @@
           <a:p>
             <a:fld id="{F816962A-DF71-A040-9B55-BD95B446D1F8}" type="datetimeFigureOut">
               <a:rPr lang="en-US" smtClean="0"/>
-              <a:t>22/07/15</a:t>
+              <a:t>31/07/15</a:t>
             </a:fld>
             <a:endParaRPr lang="en-US"/>
           </a:p>
@@ -2254,7 +2254,7 @@
           <a:p>
             <a:fld id="{F816962A-DF71-A040-9B55-BD95B446D1F8}" type="datetimeFigureOut">
               <a:rPr lang="en-US" smtClean="0"/>
-              <a:t>22/07/15</a:t>
+              <a:t>31/07/15</a:t>
             </a:fld>
             <a:endParaRPr lang="en-US"/>
           </a:p>
@@ -2507,7 +2507,7 @@
           <a:p>
             <a:fld id="{F816962A-DF71-A040-9B55-BD95B446D1F8}" type="datetimeFigureOut">
               <a:rPr lang="en-US" smtClean="0"/>
-              <a:t>22/07/15</a:t>
+              <a:t>31/07/15</a:t>
             </a:fld>
             <a:endParaRPr lang="en-US"/>
           </a:p>
@@ -2720,7 +2720,7 @@
           <a:p>
             <a:fld id="{F816962A-DF71-A040-9B55-BD95B446D1F8}" type="datetimeFigureOut">
               <a:rPr lang="en-US" smtClean="0"/>
-              <a:t>22/07/15</a:t>
+              <a:t>31/07/15</a:t>
             </a:fld>
             <a:endParaRPr lang="en-US"/>
           </a:p>
@@ -3081,14 +3081,6 @@
 <file path=ppt/slides/slide1.xml><?xml version="1.0" encoding="utf-8"?>
 <p:sld xmlns:a="http://schemas.openxmlformats.org/drawingml/2006/main" xmlns:r="http://schemas.openxmlformats.org/officeDocument/2006/relationships" xmlns:p="http://schemas.openxmlformats.org/presentationml/2006/main">
   <p:cSld>
-    <p:bg>
-      <p:bgPr>
-        <a:solidFill>
-          <a:schemeClr val="tx1"/>
-        </a:solidFill>
-        <a:effectLst/>
-      </p:bgPr>
-    </p:bg>
     <p:spTree>
       <p:nvGrpSpPr>
         <p:cNvPr id="1" name=""/>
@@ -3103,6 +3095,147 @@
           <a:chExt cx="0" cy="0"/>
         </a:xfrm>
       </p:grpSpPr>
+      <p:sp>
+        <p:nvSpPr>
+          <p:cNvPr id="82" name="Oval 81"/>
+          <p:cNvSpPr/>
+          <p:nvPr/>
+        </p:nvSpPr>
+        <p:spPr>
+          <a:xfrm>
+            <a:off x="3940390" y="1069482"/>
+            <a:ext cx="919029" cy="848895"/>
+          </a:xfrm>
+          <a:prstGeom prst="ellipse">
+            <a:avLst/>
+          </a:prstGeom>
+          <a:solidFill>
+            <a:srgbClr val="FF0000">
+              <a:alpha val="89000"/>
+            </a:srgbClr>
+          </a:solidFill>
+          <a:ln>
+            <a:noFill/>
+          </a:ln>
+        </p:spPr>
+        <p:style>
+          <a:lnRef idx="1">
+            <a:schemeClr val="accent1"/>
+          </a:lnRef>
+          <a:fillRef idx="3">
+            <a:schemeClr val="accent1"/>
+          </a:fillRef>
+          <a:effectRef idx="2">
+            <a:schemeClr val="accent1"/>
+          </a:effectRef>
+          <a:fontRef idx="minor">
+            <a:schemeClr val="lt1"/>
+          </a:fontRef>
+        </p:style>
+        <p:txBody>
+          <a:bodyPr rtlCol="0" anchor="ctr"/>
+          <a:lstStyle/>
+          <a:p>
+            <a:pPr algn="ctr"/>
+            <a:endParaRPr lang="en-US"/>
+          </a:p>
+        </p:txBody>
+      </p:sp>
+      <p:sp>
+        <p:nvSpPr>
+          <p:cNvPr id="84" name="Oval 83"/>
+          <p:cNvSpPr/>
+          <p:nvPr/>
+        </p:nvSpPr>
+        <p:spPr>
+          <a:xfrm>
+            <a:off x="4047338" y="1399011"/>
+            <a:ext cx="728927" cy="193842"/>
+          </a:xfrm>
+          <a:prstGeom prst="ellipse">
+            <a:avLst/>
+          </a:prstGeom>
+          <a:solidFill>
+            <a:srgbClr val="3366FF">
+              <a:alpha val="64000"/>
+            </a:srgbClr>
+          </a:solidFill>
+          <a:ln>
+            <a:noFill/>
+          </a:ln>
+        </p:spPr>
+        <p:style>
+          <a:lnRef idx="1">
+            <a:schemeClr val="accent1"/>
+          </a:lnRef>
+          <a:fillRef idx="3">
+            <a:schemeClr val="accent1"/>
+          </a:fillRef>
+          <a:effectRef idx="2">
+            <a:schemeClr val="accent1"/>
+          </a:effectRef>
+          <a:fontRef idx="minor">
+            <a:schemeClr val="lt1"/>
+          </a:fontRef>
+        </p:style>
+        <p:txBody>
+          <a:bodyPr rtlCol="0" anchor="ctr"/>
+          <a:lstStyle/>
+          <a:p>
+            <a:pPr algn="ctr"/>
+            <a:endParaRPr lang="en-US"/>
+          </a:p>
+        </p:txBody>
+      </p:sp>
+      <p:sp>
+        <p:nvSpPr>
+          <p:cNvPr id="83" name="Chord 82"/>
+          <p:cNvSpPr/>
+          <p:nvPr/>
+        </p:nvSpPr>
+        <p:spPr>
+          <a:xfrm rot="16200000">
+            <a:off x="1474527" y="1181773"/>
+            <a:ext cx="556128" cy="528053"/>
+          </a:xfrm>
+          <a:prstGeom prst="chord">
+            <a:avLst>
+              <a:gd name="adj1" fmla="val 5659388"/>
+              <a:gd name="adj2" fmla="val 15964670"/>
+            </a:avLst>
+          </a:prstGeom>
+          <a:solidFill>
+            <a:srgbClr val="FF0000">
+              <a:alpha val="86000"/>
+            </a:srgbClr>
+          </a:solidFill>
+          <a:ln>
+            <a:noFill/>
+          </a:ln>
+        </p:spPr>
+        <p:style>
+          <a:lnRef idx="1">
+            <a:schemeClr val="accent1"/>
+          </a:lnRef>
+          <a:fillRef idx="3">
+            <a:schemeClr val="accent1"/>
+          </a:fillRef>
+          <a:effectRef idx="2">
+            <a:schemeClr val="accent1"/>
+          </a:effectRef>
+          <a:fontRef idx="minor">
+            <a:schemeClr val="lt1"/>
+          </a:fontRef>
+        </p:style>
+        <p:txBody>
+          <a:bodyPr rtlCol="0" anchor="ctr"/>
+          <a:lstStyle/>
+          <a:p>
+            <a:pPr algn="ctr"/>
+            <a:endParaRPr lang="en-US"/>
+          </a:p>
+        </p:txBody>
+      </p:sp>
       <p:cxnSp>
         <p:nvCxnSpPr>
           <p:cNvPr id="6" name="Straight Arrow Connector 5"/>
@@ -3111,7 +3244,7 @@
         </p:nvCxnSpPr>
         <p:spPr>
           <a:xfrm>
-            <a:off x="1118290" y="2802840"/>
+            <a:off x="1112549" y="3953413"/>
             <a:ext cx="1567649" cy="204"/>
           </a:xfrm>
           <a:prstGeom prst="straightConnector1">
@@ -3119,11 +3252,17 @@
           </a:prstGeom>
           <a:ln w="57150" cmpd="sng">
             <a:solidFill>
-              <a:srgbClr val="FFFFFF"/>
+              <a:srgbClr val="000000"/>
             </a:solidFill>
             <a:tailEnd type="arrow"/>
           </a:ln>
-          <a:effectLst/>
+          <a:effectLst>
+            <a:outerShdw blurRad="50800" dist="25400" dir="2700000" algn="tl" rotWithShape="0">
+              <a:prstClr val="black">
+                <a:alpha val="40000"/>
+              </a:prstClr>
+            </a:outerShdw>
+          </a:effectLst>
         </p:spPr>
         <p:style>
           <a:lnRef idx="2">
@@ -3148,7 +3287,7 @@
         </p:nvCxnSpPr>
         <p:spPr>
           <a:xfrm flipV="1">
-            <a:off x="1118290" y="996214"/>
+            <a:off x="1112549" y="2146787"/>
             <a:ext cx="0" cy="1806626"/>
           </a:xfrm>
           <a:prstGeom prst="straightConnector1">
@@ -3156,11 +3295,17 @@
           </a:prstGeom>
           <a:ln w="57150" cmpd="sng">
             <a:solidFill>
-              <a:schemeClr val="bg1"/>
+              <a:srgbClr val="000000"/>
             </a:solidFill>
             <a:tailEnd type="arrow"/>
           </a:ln>
-          <a:effectLst/>
+          <a:effectLst>
+            <a:outerShdw blurRad="50800" dist="25400" dir="2700000" algn="tl" rotWithShape="0">
+              <a:prstClr val="black">
+                <a:alpha val="40000"/>
+              </a:prstClr>
+            </a:outerShdw>
+          </a:effectLst>
         </p:spPr>
         <p:style>
           <a:lnRef idx="2">
@@ -3185,7 +3330,7 @@
         </p:nvSpPr>
         <p:spPr>
           <a:xfrm rot="16200000">
-            <a:off x="-166022" y="1847741"/>
+            <a:off x="-171763" y="2998314"/>
             <a:ext cx="2010832" cy="307777"/>
           </a:xfrm>
           <a:prstGeom prst="rect">
@@ -3195,6 +3340,13 @@
           <a:ln w="57150" cmpd="sng">
             <a:noFill/>
           </a:ln>
+          <a:effectLst>
+            <a:outerShdw blurRad="50800" dist="25400" dir="2700000" algn="tl" rotWithShape="0">
+              <a:prstClr val="black">
+                <a:alpha val="40000"/>
+              </a:prstClr>
+            </a:outerShdw>
+          </a:effectLst>
         </p:spPr>
         <p:txBody>
           <a:bodyPr wrap="square" rtlCol="0">
@@ -3204,97 +3356,26 @@
           <a:p>
             <a:pPr algn="ctr"/>
             <a:r>
-              <a:rPr lang="en-US" sz="1400" b="1" i="1" dirty="0" smtClean="0">
-                <a:solidFill>
-                  <a:srgbClr val="FFFFFF"/>
-                </a:solidFill>
+              <a:rPr lang="en-US" sz="1400" b="1" i="1" dirty="0">
                 <a:latin typeface="Century Gothic"/>
                 <a:cs typeface="Century Gothic"/>
               </a:rPr>
-              <a:t>intensity of light</a:t>
-            </a:r>
-          </a:p>
-        </p:txBody>
-      </p:sp>
-      <p:sp>
-        <p:nvSpPr>
-          <p:cNvPr id="10" name="Freeform 9"/>
-          <p:cNvSpPr/>
-          <p:nvPr/>
-        </p:nvSpPr>
-        <p:spPr>
-          <a:xfrm>
-            <a:off x="1186324" y="1515293"/>
-            <a:ext cx="542120" cy="1127569"/>
-          </a:xfrm>
-          <a:custGeom>
-            <a:avLst/>
-            <a:gdLst>
-              <a:gd name="connsiteX0" fmla="*/ 0 w 793734"/>
-              <a:gd name="connsiteY0" fmla="*/ 0 h 1632768"/>
-              <a:gd name="connsiteX1" fmla="*/ 196544 w 793734"/>
-              <a:gd name="connsiteY1" fmla="*/ 634965 h 1632768"/>
-              <a:gd name="connsiteX2" fmla="*/ 793734 w 793734"/>
-              <a:gd name="connsiteY2" fmla="*/ 1632768 h 1632768"/>
-            </a:gdLst>
-            <a:ahLst/>
-            <a:cxnLst>
-              <a:cxn ang="0">
-                <a:pos x="connsiteX0" y="connsiteY0"/>
-              </a:cxn>
-              <a:cxn ang="0">
-                <a:pos x="connsiteX1" y="connsiteY1"/>
-              </a:cxn>
-              <a:cxn ang="0">
-                <a:pos x="connsiteX2" y="connsiteY2"/>
-              </a:cxn>
-            </a:cxnLst>
-            <a:rect l="l" t="t" r="r" b="b"/>
-            <a:pathLst>
-              <a:path w="793734" h="1632768">
-                <a:moveTo>
-                  <a:pt x="0" y="0"/>
-                </a:moveTo>
-                <a:cubicBezTo>
-                  <a:pt x="32127" y="181418"/>
-                  <a:pt x="64255" y="362837"/>
-                  <a:pt x="196544" y="634965"/>
-                </a:cubicBezTo>
-                <a:cubicBezTo>
-                  <a:pt x="328833" y="907093"/>
-                  <a:pt x="793734" y="1632768"/>
-                  <a:pt x="793734" y="1632768"/>
-                </a:cubicBezTo>
-              </a:path>
-            </a:pathLst>
-          </a:custGeom>
-          <a:noFill/>
-          <a:ln w="57150" cmpd="sng">
-            <a:solidFill>
-              <a:srgbClr val="FF0000"/>
-            </a:solidFill>
-          </a:ln>
-        </p:spPr>
-        <p:style>
-          <a:lnRef idx="2">
-            <a:schemeClr val="accent1"/>
-          </a:lnRef>
-          <a:fillRef idx="0">
-            <a:schemeClr val="accent1"/>
-          </a:fillRef>
-          <a:effectRef idx="1">
-            <a:schemeClr val="accent1"/>
-          </a:effectRef>
-          <a:fontRef idx="minor">
-            <a:schemeClr val="tx1"/>
-          </a:fontRef>
-        </p:style>
-        <p:txBody>
-          <a:bodyPr rtlCol="0" anchor="ctr"/>
-          <a:lstStyle/>
-          <a:p>
-            <a:pPr algn="ctr"/>
-            <a:endParaRPr lang="en-US" b="1" i="1"/>
+              <a:t>I</a:t>
+            </a:r>
+            <a:r>
+              <a:rPr lang="en-US" sz="1400" b="1" i="1" dirty="0" smtClean="0">
+                <a:latin typeface="Century Gothic"/>
+                <a:cs typeface="Century Gothic"/>
+              </a:rPr>
+              <a:t>ntensity </a:t>
+            </a:r>
+            <a:r>
+              <a:rPr lang="en-US" sz="1400" b="1" i="1" dirty="0" smtClean="0">
+                <a:latin typeface="Century Gothic"/>
+                <a:cs typeface="Century Gothic"/>
+              </a:rPr>
+              <a:t>of light</a:t>
+            </a:r>
           </a:p>
         </p:txBody>
       </p:sp>
@@ -3306,8 +3387,8 @@
         </p:nvCxnSpPr>
         <p:spPr>
           <a:xfrm>
-            <a:off x="1190402" y="2079426"/>
-            <a:ext cx="1293506" cy="563436"/>
+            <a:off x="1184661" y="3162520"/>
+            <a:ext cx="1453080" cy="280737"/>
           </a:xfrm>
           <a:prstGeom prst="line">
             <a:avLst/>
@@ -3317,6 +3398,13 @@
               <a:srgbClr val="0247FF"/>
             </a:solidFill>
           </a:ln>
+          <a:effectLst>
+            <a:outerShdw blurRad="50800" dist="25400" dir="2700000" algn="tl" rotWithShape="0">
+              <a:prstClr val="black">
+                <a:alpha val="40000"/>
+              </a:prstClr>
+            </a:outerShdw>
+          </a:effectLst>
         </p:spPr>
         <p:style>
           <a:lnRef idx="2">
@@ -3341,7 +3429,7 @@
         </p:nvCxnSpPr>
         <p:spPr>
           <a:xfrm>
-            <a:off x="1112067" y="3934544"/>
+            <a:off x="1106326" y="5085117"/>
             <a:ext cx="1567649" cy="204"/>
           </a:xfrm>
           <a:prstGeom prst="straightConnector1">
@@ -3349,11 +3437,17 @@
           </a:prstGeom>
           <a:ln w="57150" cmpd="sng">
             <a:solidFill>
-              <a:srgbClr val="FFFFFF"/>
+              <a:srgbClr val="000000"/>
             </a:solidFill>
             <a:tailEnd type="arrow"/>
           </a:ln>
-          <a:effectLst/>
+          <a:effectLst>
+            <a:outerShdw blurRad="50800" dist="25400" dir="2700000" algn="tl" rotWithShape="0">
+              <a:prstClr val="black">
+                <a:alpha val="40000"/>
+              </a:prstClr>
+            </a:outerShdw>
+          </a:effectLst>
         </p:spPr>
         <p:style>
           <a:lnRef idx="2">
@@ -3378,7 +3472,7 @@
         </p:nvCxnSpPr>
         <p:spPr>
           <a:xfrm flipV="1">
-            <a:off x="1118290" y="2802840"/>
+            <a:off x="1112549" y="3953413"/>
             <a:ext cx="0" cy="1136581"/>
           </a:xfrm>
           <a:prstGeom prst="straightConnector1">
@@ -3386,11 +3480,17 @@
           </a:prstGeom>
           <a:ln w="57150" cmpd="sng">
             <a:solidFill>
-              <a:schemeClr val="bg1"/>
+              <a:srgbClr val="000000"/>
             </a:solidFill>
             <a:tailEnd type="arrow"/>
           </a:ln>
-          <a:effectLst/>
+          <a:effectLst>
+            <a:outerShdw blurRad="50800" dist="25400" dir="2700000" algn="tl" rotWithShape="0">
+              <a:prstClr val="black">
+                <a:alpha val="40000"/>
+              </a:prstClr>
+            </a:outerShdw>
+          </a:effectLst>
         </p:spPr>
         <p:style>
           <a:lnRef idx="2">
@@ -3409,14 +3509,14 @@
       </p:cxnSp>
       <p:sp>
         <p:nvSpPr>
-          <p:cNvPr id="21" name="TextBox 20"/>
+          <p:cNvPr id="22" name="TextBox 21"/>
           <p:cNvSpPr txBox="1"/>
           <p:nvPr/>
         </p:nvSpPr>
         <p:spPr>
-          <a:xfrm>
-            <a:off x="1458770" y="3998306"/>
-            <a:ext cx="756366" cy="307777"/>
+          <a:xfrm rot="16200000">
+            <a:off x="-171763" y="4369771"/>
+            <a:ext cx="2010832" cy="307777"/>
           </a:xfrm>
           <a:prstGeom prst="rect">
             <a:avLst/>
@@ -3425,6 +3525,13 @@
           <a:ln w="57150" cmpd="sng">
             <a:noFill/>
           </a:ln>
+          <a:effectLst>
+            <a:outerShdw blurRad="50800" dist="25400" dir="2700000" algn="tl" rotWithShape="0">
+              <a:prstClr val="black">
+                <a:alpha val="40000"/>
+              </a:prstClr>
+            </a:outerShdw>
+          </a:effectLst>
         </p:spPr>
         <p:txBody>
           <a:bodyPr wrap="square" rtlCol="0">
@@ -3434,54 +3541,23 @@
           <a:p>
             <a:pPr algn="ctr"/>
             <a:r>
-              <a:rPr lang="en-US" sz="1400" b="1" i="1" dirty="0" smtClean="0">
-                <a:solidFill>
-                  <a:srgbClr val="FFFFFF"/>
-                </a:solidFill>
+              <a:rPr lang="en-US" sz="1400" b="1" i="1" dirty="0" err="1">
                 <a:latin typeface="Century Gothic"/>
                 <a:cs typeface="Century Gothic"/>
               </a:rPr>
-              <a:t>radius</a:t>
-            </a:r>
-          </a:p>
-        </p:txBody>
-      </p:sp>
-      <p:sp>
-        <p:nvSpPr>
-          <p:cNvPr id="22" name="TextBox 21"/>
-          <p:cNvSpPr txBox="1"/>
-          <p:nvPr/>
-        </p:nvSpPr>
-        <p:spPr>
-          <a:xfrm rot="16200000">
-            <a:off x="-166022" y="3219198"/>
-            <a:ext cx="2010832" cy="307777"/>
-          </a:xfrm>
-          <a:prstGeom prst="rect">
-            <a:avLst/>
-          </a:prstGeom>
-          <a:noFill/>
-          <a:ln w="57150" cmpd="sng">
-            <a:noFill/>
-          </a:ln>
-        </p:spPr>
-        <p:txBody>
-          <a:bodyPr wrap="square" rtlCol="0">
-            <a:spAutoFit/>
-          </a:bodyPr>
-          <a:lstStyle/>
-          <a:p>
-            <a:pPr algn="ctr"/>
-            <a:r>
-              <a:rPr lang="en-US" sz="1400" b="1" i="1" dirty="0" smtClean="0">
-                <a:solidFill>
-                  <a:srgbClr val="FFFFFF"/>
-                </a:solidFill>
+              <a:t>E</a:t>
+            </a:r>
+            <a:r>
+              <a:rPr lang="en-US" sz="1400" b="1" i="1" dirty="0" err="1" smtClean="0">
                 <a:latin typeface="Century Gothic"/>
                 <a:cs typeface="Century Gothic"/>
               </a:rPr>
-              <a:t>ellipticity</a:t>
-            </a:r>
+              <a:t>llipticity</a:t>
+            </a:r>
+            <a:endParaRPr lang="en-US" sz="1400" b="1" i="1" dirty="0" smtClean="0">
+              <a:latin typeface="Century Gothic"/>
+              <a:cs typeface="Century Gothic"/>
+            </a:endParaRPr>
           </a:p>
         </p:txBody>
       </p:sp>
@@ -3493,8 +3569,8 @@
         </p:nvSpPr>
         <p:spPr>
           <a:xfrm>
-            <a:off x="1190402" y="3143791"/>
-            <a:ext cx="1420945" cy="600258"/>
+            <a:off x="1184662" y="4294364"/>
+            <a:ext cx="1349598" cy="600258"/>
           </a:xfrm>
           <a:custGeom>
             <a:avLst/>
@@ -3567,10 +3643,16 @@
           </a:custGeom>
           <a:ln w="57150" cmpd="sng">
             <a:solidFill>
-              <a:schemeClr val="bg1"/>
+              <a:srgbClr val="000000"/>
             </a:solidFill>
           </a:ln>
-          <a:effectLst/>
+          <a:effectLst>
+            <a:outerShdw blurRad="50800" dist="25400" dir="2700000" algn="tl" rotWithShape="0">
+              <a:prstClr val="black">
+                <a:alpha val="40000"/>
+              </a:prstClr>
+            </a:outerShdw>
+          </a:effectLst>
         </p:spPr>
         <p:style>
           <a:lnRef idx="2">
@@ -3603,7 +3685,7 @@
         </p:nvCxnSpPr>
         <p:spPr>
           <a:xfrm>
-            <a:off x="3706376" y="2803044"/>
+            <a:off x="3700635" y="3953617"/>
             <a:ext cx="1567649" cy="204"/>
           </a:xfrm>
           <a:prstGeom prst="straightConnector1">
@@ -3611,11 +3693,17 @@
           </a:prstGeom>
           <a:ln w="57150" cmpd="sng">
             <a:solidFill>
-              <a:srgbClr val="FFFFFF"/>
+              <a:srgbClr val="000000"/>
             </a:solidFill>
             <a:tailEnd type="arrow"/>
           </a:ln>
-          <a:effectLst/>
+          <a:effectLst>
+            <a:outerShdw blurRad="50800" dist="25400" dir="2700000" algn="tl" rotWithShape="0">
+              <a:prstClr val="black">
+                <a:alpha val="40000"/>
+              </a:prstClr>
+            </a:outerShdw>
+          </a:effectLst>
         </p:spPr>
         <p:style>
           <a:lnRef idx="2">
@@ -3640,7 +3728,7 @@
         </p:nvCxnSpPr>
         <p:spPr>
           <a:xfrm flipV="1">
-            <a:off x="3706376" y="996418"/>
+            <a:off x="3700635" y="2146991"/>
             <a:ext cx="0" cy="1806626"/>
           </a:xfrm>
           <a:prstGeom prst="straightConnector1">
@@ -3648,11 +3736,17 @@
           </a:prstGeom>
           <a:ln w="57150" cmpd="sng">
             <a:solidFill>
-              <a:schemeClr val="bg1"/>
+              <a:srgbClr val="000000"/>
             </a:solidFill>
             <a:tailEnd type="arrow"/>
           </a:ln>
-          <a:effectLst/>
+          <a:effectLst>
+            <a:outerShdw blurRad="50800" dist="25400" dir="2700000" algn="tl" rotWithShape="0">
+              <a:prstClr val="black">
+                <a:alpha val="40000"/>
+              </a:prstClr>
+            </a:outerShdw>
+          </a:effectLst>
         </p:spPr>
         <p:style>
           <a:lnRef idx="2">
@@ -3677,7 +3771,7 @@
         </p:nvSpPr>
         <p:spPr>
           <a:xfrm rot="16200000">
-            <a:off x="2422064" y="1847945"/>
+            <a:off x="2416323" y="2998518"/>
             <a:ext cx="2010832" cy="307777"/>
           </a:xfrm>
           <a:prstGeom prst="rect">
@@ -3687,6 +3781,13 @@
           <a:ln w="57150" cmpd="sng">
             <a:noFill/>
           </a:ln>
+          <a:effectLst>
+            <a:outerShdw blurRad="50800" dist="25400" dir="2700000" algn="tl" rotWithShape="0">
+              <a:prstClr val="black">
+                <a:alpha val="40000"/>
+              </a:prstClr>
+            </a:outerShdw>
+          </a:effectLst>
         </p:spPr>
         <p:txBody>
           <a:bodyPr wrap="square" rtlCol="0">
@@ -3697,13 +3798,17 @@
             <a:pPr algn="ctr"/>
             <a:r>
               <a:rPr lang="en-US" sz="1400" b="1" i="1" dirty="0" smtClean="0">
-                <a:solidFill>
-                  <a:srgbClr val="FFFFFF"/>
-                </a:solidFill>
                 <a:latin typeface="Century Gothic"/>
                 <a:cs typeface="Century Gothic"/>
               </a:rPr>
-              <a:t>intensity of light</a:t>
+              <a:t>Intensity </a:t>
+            </a:r>
+            <a:r>
+              <a:rPr lang="en-US" sz="1400" b="1" i="1" dirty="0" smtClean="0">
+                <a:latin typeface="Century Gothic"/>
+                <a:cs typeface="Century Gothic"/>
+              </a:rPr>
+              <a:t>of light</a:t>
             </a:r>
           </a:p>
         </p:txBody>
@@ -3716,8 +3821,8 @@
         </p:nvCxnSpPr>
         <p:spPr>
           <a:xfrm>
-            <a:off x="3792146" y="2079426"/>
-            <a:ext cx="808162" cy="563436"/>
+            <a:off x="3777522" y="3162520"/>
+            <a:ext cx="895684" cy="695795"/>
           </a:xfrm>
           <a:prstGeom prst="line">
             <a:avLst/>
@@ -3727,6 +3832,13 @@
               <a:srgbClr val="0247FF"/>
             </a:solidFill>
           </a:ln>
+          <a:effectLst>
+            <a:outerShdw blurRad="50800" dist="25400" dir="2700000" algn="tl" rotWithShape="0">
+              <a:prstClr val="black">
+                <a:alpha val="40000"/>
+              </a:prstClr>
+            </a:outerShdw>
+          </a:effectLst>
         </p:spPr>
         <p:style>
           <a:lnRef idx="2">
@@ -3751,7 +3863,7 @@
         </p:nvCxnSpPr>
         <p:spPr>
           <a:xfrm>
-            <a:off x="3700153" y="3934748"/>
+            <a:off x="3694412" y="5085321"/>
             <a:ext cx="1567649" cy="204"/>
           </a:xfrm>
           <a:prstGeom prst="straightConnector1">
@@ -3759,11 +3871,17 @@
           </a:prstGeom>
           <a:ln w="57150" cmpd="sng">
             <a:solidFill>
-              <a:srgbClr val="FFFFFF"/>
+              <a:srgbClr val="000000"/>
             </a:solidFill>
             <a:tailEnd type="arrow"/>
           </a:ln>
-          <a:effectLst/>
+          <a:effectLst>
+            <a:outerShdw blurRad="50800" dist="25400" dir="2700000" algn="tl" rotWithShape="0">
+              <a:prstClr val="black">
+                <a:alpha val="40000"/>
+              </a:prstClr>
+            </a:outerShdw>
+          </a:effectLst>
         </p:spPr>
         <p:style>
           <a:lnRef idx="2">
@@ -3788,7 +3906,7 @@
         </p:nvCxnSpPr>
         <p:spPr>
           <a:xfrm flipV="1">
-            <a:off x="3706376" y="2803044"/>
+            <a:off x="3700635" y="3953617"/>
             <a:ext cx="0" cy="1136581"/>
           </a:xfrm>
           <a:prstGeom prst="straightConnector1">
@@ -3796,11 +3914,17 @@
           </a:prstGeom>
           <a:ln w="57150" cmpd="sng">
             <a:solidFill>
-              <a:schemeClr val="bg1"/>
+              <a:srgbClr val="000000"/>
             </a:solidFill>
             <a:tailEnd type="arrow"/>
           </a:ln>
-          <a:effectLst/>
+          <a:effectLst>
+            <a:outerShdw blurRad="50800" dist="25400" dir="2700000" algn="tl" rotWithShape="0">
+              <a:prstClr val="black">
+                <a:alpha val="40000"/>
+              </a:prstClr>
+            </a:outerShdw>
+          </a:effectLst>
         </p:spPr>
         <p:style>
           <a:lnRef idx="2">
@@ -3819,54 +3943,13 @@
       </p:cxnSp>
       <p:sp>
         <p:nvSpPr>
-          <p:cNvPr id="34" name="TextBox 33"/>
-          <p:cNvSpPr txBox="1"/>
-          <p:nvPr/>
-        </p:nvSpPr>
-        <p:spPr>
-          <a:xfrm>
-            <a:off x="4046856" y="3998510"/>
-            <a:ext cx="756366" cy="307777"/>
-          </a:xfrm>
-          <a:prstGeom prst="rect">
-            <a:avLst/>
-          </a:prstGeom>
-          <a:noFill/>
-          <a:ln w="57150" cmpd="sng">
-            <a:solidFill>
-              <a:schemeClr val="tx1"/>
-            </a:solidFill>
-          </a:ln>
-        </p:spPr>
-        <p:txBody>
-          <a:bodyPr wrap="square" rtlCol="0">
-            <a:spAutoFit/>
-          </a:bodyPr>
-          <a:lstStyle/>
-          <a:p>
-            <a:pPr algn="ctr"/>
-            <a:r>
-              <a:rPr lang="en-US" sz="1400" b="1" i="1" dirty="0" smtClean="0">
-                <a:solidFill>
-                  <a:srgbClr val="FFFFFF"/>
-                </a:solidFill>
-                <a:latin typeface="Century Gothic"/>
-                <a:cs typeface="Century Gothic"/>
-              </a:rPr>
-              <a:t>radius</a:t>
-            </a:r>
-          </a:p>
-        </p:txBody>
-      </p:sp>
-      <p:sp>
-        <p:nvSpPr>
           <p:cNvPr id="35" name="TextBox 34"/>
           <p:cNvSpPr txBox="1"/>
           <p:nvPr/>
         </p:nvSpPr>
         <p:spPr>
           <a:xfrm rot="16200000">
-            <a:off x="2422064" y="3219402"/>
+            <a:off x="2416323" y="4369975"/>
             <a:ext cx="2010832" cy="307777"/>
           </a:xfrm>
           <a:prstGeom prst="rect">
@@ -3876,6 +3959,13 @@
           <a:ln w="57150" cmpd="sng">
             <a:noFill/>
           </a:ln>
+          <a:effectLst>
+            <a:outerShdw blurRad="50800" dist="25400" dir="2700000" algn="tl" rotWithShape="0">
+              <a:prstClr val="black">
+                <a:alpha val="40000"/>
+              </a:prstClr>
+            </a:outerShdw>
+          </a:effectLst>
         </p:spPr>
         <p:txBody>
           <a:bodyPr wrap="square" rtlCol="0">
@@ -3885,116 +3975,23 @@
           <a:p>
             <a:pPr algn="ctr"/>
             <a:r>
-              <a:rPr lang="en-US" sz="1400" b="1" i="1" dirty="0" smtClean="0">
-                <a:solidFill>
-                  <a:srgbClr val="FFFFFF"/>
-                </a:solidFill>
+              <a:rPr lang="en-US" sz="1400" b="1" i="1" dirty="0" err="1">
                 <a:latin typeface="Century Gothic"/>
                 <a:cs typeface="Century Gothic"/>
               </a:rPr>
-              <a:t>ellipticity</a:t>
-            </a:r>
-          </a:p>
-        </p:txBody>
-      </p:sp>
-      <p:sp>
-        <p:nvSpPr>
-          <p:cNvPr id="37" name="Freeform 36"/>
-          <p:cNvSpPr/>
-          <p:nvPr/>
-        </p:nvSpPr>
-        <p:spPr>
-          <a:xfrm>
-            <a:off x="3783265" y="1435108"/>
-            <a:ext cx="1288729" cy="1207754"/>
-          </a:xfrm>
-          <a:custGeom>
-            <a:avLst/>
-            <a:gdLst>
-              <a:gd name="connsiteX0" fmla="*/ 0 w 1571920"/>
-              <a:gd name="connsiteY0" fmla="*/ 0 h 1305440"/>
-              <a:gd name="connsiteX1" fmla="*/ 159856 w 1571920"/>
-              <a:gd name="connsiteY1" fmla="*/ 390744 h 1305440"/>
-              <a:gd name="connsiteX2" fmla="*/ 586139 w 1571920"/>
-              <a:gd name="connsiteY2" fmla="*/ 843652 h 1305440"/>
-              <a:gd name="connsiteX3" fmla="*/ 1216684 w 1571920"/>
-              <a:gd name="connsiteY3" fmla="*/ 1181113 h 1305440"/>
-              <a:gd name="connsiteX4" fmla="*/ 1571920 w 1571920"/>
-              <a:gd name="connsiteY4" fmla="*/ 1305440 h 1305440"/>
-            </a:gdLst>
-            <a:ahLst/>
-            <a:cxnLst>
-              <a:cxn ang="0">
-                <a:pos x="connsiteX0" y="connsiteY0"/>
-              </a:cxn>
-              <a:cxn ang="0">
-                <a:pos x="connsiteX1" y="connsiteY1"/>
-              </a:cxn>
-              <a:cxn ang="0">
-                <a:pos x="connsiteX2" y="connsiteY2"/>
-              </a:cxn>
-              <a:cxn ang="0">
-                <a:pos x="connsiteX3" y="connsiteY3"/>
-              </a:cxn>
-              <a:cxn ang="0">
-                <a:pos x="connsiteX4" y="connsiteY4"/>
-              </a:cxn>
-            </a:cxnLst>
-            <a:rect l="l" t="t" r="r" b="b"/>
-            <a:pathLst>
-              <a:path w="1571920" h="1305440">
-                <a:moveTo>
-                  <a:pt x="0" y="0"/>
-                </a:moveTo>
-                <a:cubicBezTo>
-                  <a:pt x="31083" y="125067"/>
-                  <a:pt x="62166" y="250135"/>
-                  <a:pt x="159856" y="390744"/>
-                </a:cubicBezTo>
-                <a:cubicBezTo>
-                  <a:pt x="257546" y="531353"/>
-                  <a:pt x="410001" y="711924"/>
-                  <a:pt x="586139" y="843652"/>
-                </a:cubicBezTo>
-                <a:cubicBezTo>
-                  <a:pt x="762277" y="975380"/>
-                  <a:pt x="1052387" y="1104148"/>
-                  <a:pt x="1216684" y="1181113"/>
-                </a:cubicBezTo>
-                <a:cubicBezTo>
-                  <a:pt x="1380981" y="1258078"/>
-                  <a:pt x="1571920" y="1305440"/>
-                  <a:pt x="1571920" y="1305440"/>
-                </a:cubicBezTo>
-              </a:path>
-            </a:pathLst>
-          </a:custGeom>
-          <a:ln w="57150" cmpd="sng">
-            <a:solidFill>
-              <a:srgbClr val="FF0000"/>
-            </a:solidFill>
-          </a:ln>
-        </p:spPr>
-        <p:style>
-          <a:lnRef idx="2">
-            <a:schemeClr val="accent1"/>
-          </a:lnRef>
-          <a:fillRef idx="0">
-            <a:schemeClr val="accent1"/>
-          </a:fillRef>
-          <a:effectRef idx="1">
-            <a:schemeClr val="accent1"/>
-          </a:effectRef>
-          <a:fontRef idx="minor">
-            <a:schemeClr val="tx1"/>
-          </a:fontRef>
-        </p:style>
-        <p:txBody>
-          <a:bodyPr rtlCol="0" anchor="ctr"/>
-          <a:lstStyle/>
-          <a:p>
-            <a:pPr algn="ctr"/>
-            <a:endParaRPr lang="en-US" b="1" i="1"/>
+              <a:t>E</a:t>
+            </a:r>
+            <a:r>
+              <a:rPr lang="en-US" sz="1400" b="1" i="1" dirty="0" err="1" smtClean="0">
+                <a:latin typeface="Century Gothic"/>
+                <a:cs typeface="Century Gothic"/>
+              </a:rPr>
+              <a:t>llipticity</a:t>
+            </a:r>
+            <a:endParaRPr lang="en-US" sz="1400" b="1" i="1" dirty="0" smtClean="0">
+              <a:latin typeface="Century Gothic"/>
+              <a:cs typeface="Century Gothic"/>
+            </a:endParaRPr>
           </a:p>
         </p:txBody>
       </p:sp>
@@ -4006,7 +4003,7 @@
         </p:nvSpPr>
         <p:spPr>
           <a:xfrm>
-            <a:off x="3801027" y="3175257"/>
+            <a:off x="3795286" y="4325830"/>
             <a:ext cx="1314373" cy="586550"/>
           </a:xfrm>
           <a:custGeom>
@@ -4082,10 +4079,16 @@
           </a:custGeom>
           <a:ln w="57150" cmpd="sng">
             <a:solidFill>
-              <a:schemeClr val="bg1"/>
+              <a:srgbClr val="000000"/>
             </a:solidFill>
           </a:ln>
-          <a:effectLst/>
+          <a:effectLst>
+            <a:outerShdw blurRad="50800" dist="25400" dir="2700000" algn="tl" rotWithShape="0">
+              <a:prstClr val="black">
+                <a:alpha val="40000"/>
+              </a:prstClr>
+            </a:outerShdw>
+          </a:effectLst>
         </p:spPr>
         <p:style>
           <a:lnRef idx="2">
@@ -4110,43 +4113,6 @@
           </a:p>
         </p:txBody>
       </p:sp>
-      <p:cxnSp>
-        <p:nvCxnSpPr>
-          <p:cNvPr id="45" name="Straight Connector 44"/>
-          <p:cNvCxnSpPr/>
-          <p:nvPr/>
-        </p:nvCxnSpPr>
-        <p:spPr>
-          <a:xfrm>
-            <a:off x="4253952" y="1488394"/>
-            <a:ext cx="0" cy="2308941"/>
-          </a:xfrm>
-          <a:prstGeom prst="line">
-            <a:avLst/>
-          </a:prstGeom>
-          <a:ln w="57150" cmpd="sng">
-            <a:solidFill>
-              <a:srgbClr val="FFFFFF"/>
-            </a:solidFill>
-            <a:prstDash val="dash"/>
-          </a:ln>
-          <a:effectLst/>
-        </p:spPr>
-        <p:style>
-          <a:lnRef idx="2">
-            <a:schemeClr val="accent1"/>
-          </a:lnRef>
-          <a:fillRef idx="0">
-            <a:schemeClr val="accent1"/>
-          </a:fillRef>
-          <a:effectRef idx="1">
-            <a:schemeClr val="accent1"/>
-          </a:effectRef>
-          <a:fontRef idx="minor">
-            <a:schemeClr val="tx1"/>
-          </a:fontRef>
-        </p:style>
-      </p:cxnSp>
       <p:cxnSp>
         <p:nvCxnSpPr>
           <p:cNvPr id="53" name="Straight Arrow Connector 52"/>
@@ -4155,7 +4121,7 @@
         </p:nvCxnSpPr>
         <p:spPr>
           <a:xfrm>
-            <a:off x="6326242" y="2803044"/>
+            <a:off x="6320501" y="3953617"/>
             <a:ext cx="1567649" cy="204"/>
           </a:xfrm>
           <a:prstGeom prst="straightConnector1">
@@ -4163,11 +4129,17 @@
           </a:prstGeom>
           <a:ln w="57150" cmpd="sng">
             <a:solidFill>
-              <a:srgbClr val="FFFFFF"/>
+              <a:srgbClr val="000000"/>
             </a:solidFill>
             <a:tailEnd type="arrow"/>
           </a:ln>
-          <a:effectLst/>
+          <a:effectLst>
+            <a:outerShdw blurRad="50800" dist="25400" dir="2700000" algn="tl" rotWithShape="0">
+              <a:prstClr val="black">
+                <a:alpha val="40000"/>
+              </a:prstClr>
+            </a:outerShdw>
+          </a:effectLst>
         </p:spPr>
         <p:style>
           <a:lnRef idx="2">
@@ -4192,7 +4164,7 @@
         </p:nvCxnSpPr>
         <p:spPr>
           <a:xfrm flipV="1">
-            <a:off x="6326242" y="996418"/>
+            <a:off x="6320501" y="2146991"/>
             <a:ext cx="0" cy="1806626"/>
           </a:xfrm>
           <a:prstGeom prst="straightConnector1">
@@ -4200,11 +4172,17 @@
           </a:prstGeom>
           <a:ln w="57150" cmpd="sng">
             <a:solidFill>
-              <a:schemeClr val="bg1"/>
+              <a:srgbClr val="000000"/>
             </a:solidFill>
             <a:tailEnd type="arrow"/>
           </a:ln>
-          <a:effectLst/>
+          <a:effectLst>
+            <a:outerShdw blurRad="50800" dist="25400" dir="2700000" algn="tl" rotWithShape="0">
+              <a:prstClr val="black">
+                <a:alpha val="40000"/>
+              </a:prstClr>
+            </a:outerShdw>
+          </a:effectLst>
         </p:spPr>
         <p:style>
           <a:lnRef idx="2">
@@ -4229,7 +4207,7 @@
         </p:nvSpPr>
         <p:spPr>
           <a:xfrm rot="16200000">
-            <a:off x="5041930" y="1847945"/>
+            <a:off x="5036189" y="2998518"/>
             <a:ext cx="2010832" cy="307777"/>
           </a:xfrm>
           <a:prstGeom prst="rect">
@@ -4239,6 +4217,13 @@
           <a:ln w="57150" cmpd="sng">
             <a:noFill/>
           </a:ln>
+          <a:effectLst>
+            <a:outerShdw blurRad="50800" dist="25400" dir="2700000" algn="tl" rotWithShape="0">
+              <a:prstClr val="black">
+                <a:alpha val="40000"/>
+              </a:prstClr>
+            </a:outerShdw>
+          </a:effectLst>
         </p:spPr>
         <p:txBody>
           <a:bodyPr wrap="square" rtlCol="0">
@@ -4248,14 +4233,25 @@
           <a:p>
             <a:pPr algn="ctr"/>
             <a:r>
-              <a:rPr lang="en-US" sz="1400" b="1" i="1" dirty="0" smtClean="0">
-                <a:solidFill>
-                  <a:srgbClr val="FFFFFF"/>
-                </a:solidFill>
+              <a:rPr lang="en-US" sz="1400" b="1" i="1" dirty="0">
                 <a:latin typeface="Century Gothic"/>
                 <a:cs typeface="Century Gothic"/>
               </a:rPr>
-              <a:t>intensity of light</a:t>
+              <a:t>I</a:t>
+            </a:r>
+            <a:r>
+              <a:rPr lang="en-US" sz="1400" b="1" i="1" dirty="0" smtClean="0">
+                <a:latin typeface="Century Gothic"/>
+                <a:cs typeface="Century Gothic"/>
+              </a:rPr>
+              <a:t>ntensity </a:t>
+            </a:r>
+            <a:r>
+              <a:rPr lang="en-US" sz="1400" b="1" i="1" dirty="0" smtClean="0">
+                <a:latin typeface="Century Gothic"/>
+                <a:cs typeface="Century Gothic"/>
+              </a:rPr>
+              <a:t>of light</a:t>
             </a:r>
           </a:p>
         </p:txBody>
@@ -4268,8 +4264,8 @@
         </p:nvCxnSpPr>
         <p:spPr>
           <a:xfrm>
-            <a:off x="6403131" y="1674883"/>
-            <a:ext cx="136728" cy="967979"/>
+            <a:off x="6397390" y="2825456"/>
+            <a:ext cx="136728" cy="1032859"/>
           </a:xfrm>
           <a:prstGeom prst="line">
             <a:avLst/>
@@ -4279,6 +4275,13 @@
               <a:srgbClr val="0247FF"/>
             </a:solidFill>
           </a:ln>
+          <a:effectLst>
+            <a:outerShdw blurRad="50800" dist="25400" dir="2700000" algn="tl" rotWithShape="0">
+              <a:prstClr val="black">
+                <a:alpha val="40000"/>
+              </a:prstClr>
+            </a:outerShdw>
+          </a:effectLst>
         </p:spPr>
         <p:style>
           <a:lnRef idx="2">
@@ -4303,7 +4306,7 @@
         </p:nvCxnSpPr>
         <p:spPr>
           <a:xfrm>
-            <a:off x="6320019" y="3934748"/>
+            <a:off x="6314278" y="5085321"/>
             <a:ext cx="1567649" cy="204"/>
           </a:xfrm>
           <a:prstGeom prst="straightConnector1">
@@ -4311,11 +4314,17 @@
           </a:prstGeom>
           <a:ln w="57150" cmpd="sng">
             <a:solidFill>
-              <a:srgbClr val="FFFFFF"/>
+              <a:srgbClr val="000000"/>
             </a:solidFill>
             <a:tailEnd type="arrow"/>
           </a:ln>
-          <a:effectLst/>
+          <a:effectLst>
+            <a:outerShdw blurRad="50800" dist="25400" dir="2700000" algn="tl" rotWithShape="0">
+              <a:prstClr val="black">
+                <a:alpha val="40000"/>
+              </a:prstClr>
+            </a:outerShdw>
+          </a:effectLst>
         </p:spPr>
         <p:style>
           <a:lnRef idx="2">
@@ -4340,7 +4349,7 @@
         </p:nvCxnSpPr>
         <p:spPr>
           <a:xfrm flipV="1">
-            <a:off x="6326242" y="2803044"/>
+            <a:off x="6320501" y="3953617"/>
             <a:ext cx="0" cy="1136581"/>
           </a:xfrm>
           <a:prstGeom prst="straightConnector1">
@@ -4348,11 +4357,17 @@
           </a:prstGeom>
           <a:ln w="57150" cmpd="sng">
             <a:solidFill>
-              <a:schemeClr val="bg1"/>
+              <a:srgbClr val="000000"/>
             </a:solidFill>
             <a:tailEnd type="arrow"/>
           </a:ln>
-          <a:effectLst/>
+          <a:effectLst>
+            <a:outerShdw blurRad="50800" dist="25400" dir="2700000" algn="tl" rotWithShape="0">
+              <a:prstClr val="black">
+                <a:alpha val="40000"/>
+              </a:prstClr>
+            </a:outerShdw>
+          </a:effectLst>
         </p:spPr>
         <p:style>
           <a:lnRef idx="2">
@@ -4371,14 +4386,14 @@
       </p:cxnSp>
       <p:sp>
         <p:nvSpPr>
-          <p:cNvPr id="59" name="TextBox 58"/>
+          <p:cNvPr id="60" name="TextBox 59"/>
           <p:cNvSpPr txBox="1"/>
           <p:nvPr/>
         </p:nvSpPr>
         <p:spPr>
-          <a:xfrm>
-            <a:off x="6666722" y="3998510"/>
-            <a:ext cx="756366" cy="307777"/>
+          <a:xfrm rot="16200000">
+            <a:off x="5036189" y="4369975"/>
+            <a:ext cx="2010832" cy="307777"/>
           </a:xfrm>
           <a:prstGeom prst="rect">
             <a:avLst/>
@@ -4387,6 +4402,13 @@
           <a:ln w="57150" cmpd="sng">
             <a:noFill/>
           </a:ln>
+          <a:effectLst>
+            <a:outerShdw blurRad="50800" dist="25400" dir="2700000" algn="tl" rotWithShape="0">
+              <a:prstClr val="black">
+                <a:alpha val="40000"/>
+              </a:prstClr>
+            </a:outerShdw>
+          </a:effectLst>
         </p:spPr>
         <p:txBody>
           <a:bodyPr wrap="square" rtlCol="0">
@@ -4396,155 +4418,23 @@
           <a:p>
             <a:pPr algn="ctr"/>
             <a:r>
-              <a:rPr lang="en-US" sz="1400" b="1" i="1" dirty="0" smtClean="0">
-                <a:solidFill>
-                  <a:srgbClr val="FFFFFF"/>
-                </a:solidFill>
+              <a:rPr lang="en-US" sz="1400" b="1" i="1" dirty="0" err="1">
                 <a:latin typeface="Century Gothic"/>
                 <a:cs typeface="Century Gothic"/>
               </a:rPr>
-              <a:t>radius</a:t>
-            </a:r>
-          </a:p>
-        </p:txBody>
-      </p:sp>
-      <p:sp>
-        <p:nvSpPr>
-          <p:cNvPr id="60" name="TextBox 59"/>
-          <p:cNvSpPr txBox="1"/>
-          <p:nvPr/>
-        </p:nvSpPr>
-        <p:spPr>
-          <a:xfrm rot="16200000">
-            <a:off x="5041930" y="3219402"/>
-            <a:ext cx="2010832" cy="307777"/>
-          </a:xfrm>
-          <a:prstGeom prst="rect">
-            <a:avLst/>
-          </a:prstGeom>
-          <a:noFill/>
-          <a:ln w="57150" cmpd="sng">
-            <a:noFill/>
-          </a:ln>
-        </p:spPr>
-        <p:txBody>
-          <a:bodyPr wrap="square" rtlCol="0">
-            <a:spAutoFit/>
-          </a:bodyPr>
-          <a:lstStyle/>
-          <a:p>
-            <a:pPr algn="ctr"/>
-            <a:r>
-              <a:rPr lang="en-US" sz="1400" b="1" i="1" dirty="0" smtClean="0">
-                <a:solidFill>
-                  <a:srgbClr val="FFFFFF"/>
-                </a:solidFill>
+              <a:t>E</a:t>
+            </a:r>
+            <a:r>
+              <a:rPr lang="en-US" sz="1400" b="1" i="1" dirty="0" err="1" smtClean="0">
                 <a:latin typeface="Century Gothic"/>
                 <a:cs typeface="Century Gothic"/>
               </a:rPr>
-              <a:t>ellipticity</a:t>
-            </a:r>
-          </a:p>
-        </p:txBody>
-      </p:sp>
-      <p:sp>
-        <p:nvSpPr>
-          <p:cNvPr id="61" name="Freeform 60"/>
-          <p:cNvSpPr/>
-          <p:nvPr/>
-        </p:nvSpPr>
-        <p:spPr>
-          <a:xfrm>
-            <a:off x="6403131" y="1435108"/>
-            <a:ext cx="1288729" cy="1207754"/>
-          </a:xfrm>
-          <a:custGeom>
-            <a:avLst/>
-            <a:gdLst>
-              <a:gd name="connsiteX0" fmla="*/ 0 w 1571920"/>
-              <a:gd name="connsiteY0" fmla="*/ 0 h 1305440"/>
-              <a:gd name="connsiteX1" fmla="*/ 159856 w 1571920"/>
-              <a:gd name="connsiteY1" fmla="*/ 390744 h 1305440"/>
-              <a:gd name="connsiteX2" fmla="*/ 586139 w 1571920"/>
-              <a:gd name="connsiteY2" fmla="*/ 843652 h 1305440"/>
-              <a:gd name="connsiteX3" fmla="*/ 1216684 w 1571920"/>
-              <a:gd name="connsiteY3" fmla="*/ 1181113 h 1305440"/>
-              <a:gd name="connsiteX4" fmla="*/ 1571920 w 1571920"/>
-              <a:gd name="connsiteY4" fmla="*/ 1305440 h 1305440"/>
-            </a:gdLst>
-            <a:ahLst/>
-            <a:cxnLst>
-              <a:cxn ang="0">
-                <a:pos x="connsiteX0" y="connsiteY0"/>
-              </a:cxn>
-              <a:cxn ang="0">
-                <a:pos x="connsiteX1" y="connsiteY1"/>
-              </a:cxn>
-              <a:cxn ang="0">
-                <a:pos x="connsiteX2" y="connsiteY2"/>
-              </a:cxn>
-              <a:cxn ang="0">
-                <a:pos x="connsiteX3" y="connsiteY3"/>
-              </a:cxn>
-              <a:cxn ang="0">
-                <a:pos x="connsiteX4" y="connsiteY4"/>
-              </a:cxn>
-            </a:cxnLst>
-            <a:rect l="l" t="t" r="r" b="b"/>
-            <a:pathLst>
-              <a:path w="1571920" h="1305440">
-                <a:moveTo>
-                  <a:pt x="0" y="0"/>
-                </a:moveTo>
-                <a:cubicBezTo>
-                  <a:pt x="31083" y="125067"/>
-                  <a:pt x="62166" y="250135"/>
-                  <a:pt x="159856" y="390744"/>
-                </a:cubicBezTo>
-                <a:cubicBezTo>
-                  <a:pt x="257546" y="531353"/>
-                  <a:pt x="410001" y="711924"/>
-                  <a:pt x="586139" y="843652"/>
-                </a:cubicBezTo>
-                <a:cubicBezTo>
-                  <a:pt x="762277" y="975380"/>
-                  <a:pt x="1052387" y="1104148"/>
-                  <a:pt x="1216684" y="1181113"/>
-                </a:cubicBezTo>
-                <a:cubicBezTo>
-                  <a:pt x="1380981" y="1258078"/>
-                  <a:pt x="1571920" y="1305440"/>
-                  <a:pt x="1571920" y="1305440"/>
-                </a:cubicBezTo>
-              </a:path>
-            </a:pathLst>
-          </a:custGeom>
-          <a:ln w="57150" cmpd="sng">
-            <a:solidFill>
-              <a:srgbClr val="FF0000"/>
-            </a:solidFill>
-          </a:ln>
-        </p:spPr>
-        <p:style>
-          <a:lnRef idx="2">
-            <a:schemeClr val="accent1"/>
-          </a:lnRef>
-          <a:fillRef idx="0">
-            <a:schemeClr val="accent1"/>
-          </a:fillRef>
-          <a:effectRef idx="1">
-            <a:schemeClr val="accent1"/>
-          </a:effectRef>
-          <a:fontRef idx="minor">
-            <a:schemeClr val="tx1"/>
-          </a:fontRef>
-        </p:style>
-        <p:txBody>
-          <a:bodyPr rtlCol="0" anchor="ctr"/>
-          <a:lstStyle/>
-          <a:p>
-            <a:pPr algn="ctr"/>
-            <a:endParaRPr lang="en-US" b="1" i="1"/>
+              <a:t>llipticity</a:t>
+            </a:r>
+            <a:endParaRPr lang="en-US" sz="1400" b="1" i="1" dirty="0" smtClean="0">
+              <a:latin typeface="Century Gothic"/>
+              <a:cs typeface="Century Gothic"/>
+            </a:endParaRPr>
           </a:p>
         </p:txBody>
       </p:sp>
@@ -4556,7 +4446,7 @@
         </p:nvSpPr>
         <p:spPr>
           <a:xfrm>
-            <a:off x="6406646" y="3122416"/>
+            <a:off x="6400905" y="4272989"/>
             <a:ext cx="1447587" cy="625529"/>
           </a:xfrm>
           <a:custGeom>
@@ -4620,9 +4510,16 @@
           </a:custGeom>
           <a:ln w="57150" cmpd="sng">
             <a:solidFill>
-              <a:srgbClr val="FFFFFF"/>
+              <a:srgbClr val="000000"/>
             </a:solidFill>
           </a:ln>
+          <a:effectLst>
+            <a:outerShdw blurRad="50800" dist="25400" dir="2700000" algn="tl" rotWithShape="0">
+              <a:prstClr val="black">
+                <a:alpha val="40000"/>
+              </a:prstClr>
+            </a:outerShdw>
+          </a:effectLst>
         </p:spPr>
         <p:style>
           <a:lnRef idx="2">
@@ -4655,7 +4552,7 @@
         </p:nvSpPr>
         <p:spPr>
           <a:xfrm>
-            <a:off x="586865" y="348482"/>
+            <a:off x="586865" y="569054"/>
             <a:ext cx="2314220" cy="369332"/>
           </a:xfrm>
           <a:prstGeom prst="rect">
@@ -4665,6 +4562,13 @@
           <a:ln>
             <a:noFill/>
           </a:ln>
+          <a:effectLst>
+            <a:outerShdw blurRad="50800" dist="25400" dir="2700000" algn="tl" rotWithShape="0">
+              <a:prstClr val="black">
+                <a:alpha val="40000"/>
+              </a:prstClr>
+            </a:outerShdw>
+          </a:effectLst>
         </p:spPr>
         <p:txBody>
           <a:bodyPr wrap="square" rtlCol="0">
@@ -4674,14 +4578,25 @@
           <a:p>
             <a:pPr algn="ctr"/>
             <a:r>
-              <a:rPr lang="en-US" b="1" dirty="0" smtClean="0">
-                <a:solidFill>
-                  <a:srgbClr val="FFFFFF"/>
-                </a:solidFill>
+              <a:rPr lang="en-US" b="1" dirty="0">
                 <a:latin typeface="Century Gothic"/>
                 <a:cs typeface="Century Gothic"/>
               </a:rPr>
-              <a:t>large-scale disk</a:t>
+              <a:t>L</a:t>
+            </a:r>
+            <a:r>
+              <a:rPr lang="en-US" b="1" dirty="0" smtClean="0">
+                <a:latin typeface="Century Gothic"/>
+                <a:cs typeface="Century Gothic"/>
+              </a:rPr>
+              <a:t>arge</a:t>
+            </a:r>
+            <a:r>
+              <a:rPr lang="en-US" b="1" dirty="0" smtClean="0">
+                <a:latin typeface="Century Gothic"/>
+                <a:cs typeface="Century Gothic"/>
+              </a:rPr>
+              <a:t>-scale disk</a:t>
             </a:r>
           </a:p>
         </p:txBody>
@@ -4694,7 +4609,7 @@
         </p:nvSpPr>
         <p:spPr>
           <a:xfrm>
-            <a:off x="2965341" y="348482"/>
+            <a:off x="2965341" y="569054"/>
             <a:ext cx="2927644" cy="369332"/>
           </a:xfrm>
           <a:prstGeom prst="rect">
@@ -4704,6 +4619,13 @@
           <a:ln>
             <a:noFill/>
           </a:ln>
+          <a:effectLst>
+            <a:outerShdw blurRad="50800" dist="25400" dir="2700000" algn="tl" rotWithShape="0">
+              <a:prstClr val="black">
+                <a:alpha val="40000"/>
+              </a:prstClr>
+            </a:outerShdw>
+          </a:effectLst>
         </p:spPr>
         <p:txBody>
           <a:bodyPr wrap="square" rtlCol="0">
@@ -4713,14 +4635,25 @@
           <a:p>
             <a:pPr algn="ctr"/>
             <a:r>
-              <a:rPr lang="en-US" b="1" dirty="0" smtClean="0">
-                <a:solidFill>
-                  <a:srgbClr val="FFFFFF"/>
-                </a:solidFill>
+              <a:rPr lang="en-US" b="1" dirty="0">
                 <a:latin typeface="Century Gothic"/>
                 <a:cs typeface="Century Gothic"/>
               </a:rPr>
-              <a:t>intermediate-scale disk</a:t>
+              <a:t>I</a:t>
+            </a:r>
+            <a:r>
+              <a:rPr lang="en-US" b="1" dirty="0" smtClean="0">
+                <a:latin typeface="Century Gothic"/>
+                <a:cs typeface="Century Gothic"/>
+              </a:rPr>
+              <a:t>ntermediate</a:t>
+            </a:r>
+            <a:r>
+              <a:rPr lang="en-US" b="1" dirty="0" smtClean="0">
+                <a:latin typeface="Century Gothic"/>
+                <a:cs typeface="Century Gothic"/>
+              </a:rPr>
+              <a:t>-scale disk</a:t>
             </a:r>
           </a:p>
         </p:txBody>
@@ -4733,7 +4666,7 @@
         </p:nvSpPr>
         <p:spPr>
           <a:xfrm>
-            <a:off x="5878153" y="349012"/>
+            <a:off x="5878153" y="569584"/>
             <a:ext cx="2314220" cy="369332"/>
           </a:xfrm>
           <a:prstGeom prst="rect">
@@ -4743,6 +4676,13 @@
           <a:ln>
             <a:noFill/>
           </a:ln>
+          <a:effectLst>
+            <a:outerShdw blurRad="50800" dist="25400" dir="2700000" algn="tl" rotWithShape="0">
+              <a:prstClr val="black">
+                <a:alpha val="40000"/>
+              </a:prstClr>
+            </a:outerShdw>
+          </a:effectLst>
         </p:spPr>
         <p:txBody>
           <a:bodyPr wrap="square" rtlCol="0">
@@ -4752,15 +4692,1586 @@
           <a:p>
             <a:pPr algn="ctr"/>
             <a:r>
-              <a:rPr lang="en-US" b="1" dirty="0" smtClean="0">
-                <a:solidFill>
-                  <a:srgbClr val="FFFFFF"/>
-                </a:solidFill>
+              <a:rPr lang="en-US" b="1" dirty="0">
                 <a:latin typeface="Century Gothic"/>
                 <a:cs typeface="Century Gothic"/>
               </a:rPr>
-              <a:t>nuclear disk</a:t>
-            </a:r>
+              <a:t>N</a:t>
+            </a:r>
+            <a:r>
+              <a:rPr lang="en-US" b="1" smtClean="0">
+                <a:latin typeface="Century Gothic"/>
+                <a:cs typeface="Century Gothic"/>
+              </a:rPr>
+              <a:t>uclear </a:t>
+            </a:r>
+            <a:r>
+              <a:rPr lang="en-US" b="1" dirty="0" smtClean="0">
+                <a:latin typeface="Century Gothic"/>
+                <a:cs typeface="Century Gothic"/>
+              </a:rPr>
+              <a:t>disk</a:t>
+            </a:r>
+          </a:p>
+        </p:txBody>
+      </p:sp>
+      <p:sp>
+        <p:nvSpPr>
+          <p:cNvPr id="8" name="Freeform 7"/>
+          <p:cNvSpPr/>
+          <p:nvPr/>
+        </p:nvSpPr>
+        <p:spPr>
+          <a:xfrm>
+            <a:off x="3777522" y="2536803"/>
+            <a:ext cx="1457158" cy="1256632"/>
+          </a:xfrm>
+          <a:custGeom>
+            <a:avLst/>
+            <a:gdLst>
+              <a:gd name="connsiteX0" fmla="*/ 0 w 1457158"/>
+              <a:gd name="connsiteY0" fmla="*/ 0 h 1256632"/>
+              <a:gd name="connsiteX1" fmla="*/ 254000 w 1457158"/>
+              <a:gd name="connsiteY1" fmla="*/ 541422 h 1256632"/>
+              <a:gd name="connsiteX2" fmla="*/ 808790 w 1457158"/>
+              <a:gd name="connsiteY2" fmla="*/ 995948 h 1256632"/>
+              <a:gd name="connsiteX3" fmla="*/ 1457158 w 1457158"/>
+              <a:gd name="connsiteY3" fmla="*/ 1256632 h 1256632"/>
+            </a:gdLst>
+            <a:ahLst/>
+            <a:cxnLst>
+              <a:cxn ang="0">
+                <a:pos x="connsiteX0" y="connsiteY0"/>
+              </a:cxn>
+              <a:cxn ang="0">
+                <a:pos x="connsiteX1" y="connsiteY1"/>
+              </a:cxn>
+              <a:cxn ang="0">
+                <a:pos x="connsiteX2" y="connsiteY2"/>
+              </a:cxn>
+              <a:cxn ang="0">
+                <a:pos x="connsiteX3" y="connsiteY3"/>
+              </a:cxn>
+            </a:cxnLst>
+            <a:rect l="l" t="t" r="r" b="b"/>
+            <a:pathLst>
+              <a:path w="1457158" h="1256632">
+                <a:moveTo>
+                  <a:pt x="0" y="0"/>
+                </a:moveTo>
+                <a:cubicBezTo>
+                  <a:pt x="59601" y="187715"/>
+                  <a:pt x="119202" y="375431"/>
+                  <a:pt x="254000" y="541422"/>
+                </a:cubicBezTo>
+                <a:cubicBezTo>
+                  <a:pt x="388798" y="707413"/>
+                  <a:pt x="608264" y="876746"/>
+                  <a:pt x="808790" y="995948"/>
+                </a:cubicBezTo>
+                <a:cubicBezTo>
+                  <a:pt x="1009316" y="1115150"/>
+                  <a:pt x="1233237" y="1185891"/>
+                  <a:pt x="1457158" y="1256632"/>
+                </a:cubicBezTo>
+              </a:path>
+            </a:pathLst>
+          </a:custGeom>
+          <a:ln w="57150" cmpd="sng">
+            <a:solidFill>
+              <a:srgbClr val="FF0000"/>
+            </a:solidFill>
+          </a:ln>
+        </p:spPr>
+        <p:style>
+          <a:lnRef idx="2">
+            <a:schemeClr val="accent1"/>
+          </a:lnRef>
+          <a:fillRef idx="0">
+            <a:schemeClr val="accent1"/>
+          </a:fillRef>
+          <a:effectRef idx="1">
+            <a:schemeClr val="accent1"/>
+          </a:effectRef>
+          <a:fontRef idx="minor">
+            <a:schemeClr val="tx1"/>
+          </a:fontRef>
+        </p:style>
+        <p:txBody>
+          <a:bodyPr rtlCol="0" anchor="ctr"/>
+          <a:lstStyle/>
+          <a:p>
+            <a:pPr algn="ctr"/>
+            <a:endParaRPr lang="en-US"/>
+          </a:p>
+        </p:txBody>
+      </p:sp>
+      <p:sp>
+        <p:nvSpPr>
+          <p:cNvPr id="41" name="Freeform 40"/>
+          <p:cNvSpPr/>
+          <p:nvPr/>
+        </p:nvSpPr>
+        <p:spPr>
+          <a:xfrm>
+            <a:off x="6397390" y="2536803"/>
+            <a:ext cx="1457158" cy="1256632"/>
+          </a:xfrm>
+          <a:custGeom>
+            <a:avLst/>
+            <a:gdLst>
+              <a:gd name="connsiteX0" fmla="*/ 0 w 1457158"/>
+              <a:gd name="connsiteY0" fmla="*/ 0 h 1256632"/>
+              <a:gd name="connsiteX1" fmla="*/ 254000 w 1457158"/>
+              <a:gd name="connsiteY1" fmla="*/ 541422 h 1256632"/>
+              <a:gd name="connsiteX2" fmla="*/ 808790 w 1457158"/>
+              <a:gd name="connsiteY2" fmla="*/ 995948 h 1256632"/>
+              <a:gd name="connsiteX3" fmla="*/ 1457158 w 1457158"/>
+              <a:gd name="connsiteY3" fmla="*/ 1256632 h 1256632"/>
+            </a:gdLst>
+            <a:ahLst/>
+            <a:cxnLst>
+              <a:cxn ang="0">
+                <a:pos x="connsiteX0" y="connsiteY0"/>
+              </a:cxn>
+              <a:cxn ang="0">
+                <a:pos x="connsiteX1" y="connsiteY1"/>
+              </a:cxn>
+              <a:cxn ang="0">
+                <a:pos x="connsiteX2" y="connsiteY2"/>
+              </a:cxn>
+              <a:cxn ang="0">
+                <a:pos x="connsiteX3" y="connsiteY3"/>
+              </a:cxn>
+            </a:cxnLst>
+            <a:rect l="l" t="t" r="r" b="b"/>
+            <a:pathLst>
+              <a:path w="1457158" h="1256632">
+                <a:moveTo>
+                  <a:pt x="0" y="0"/>
+                </a:moveTo>
+                <a:cubicBezTo>
+                  <a:pt x="59601" y="187715"/>
+                  <a:pt x="119202" y="375431"/>
+                  <a:pt x="254000" y="541422"/>
+                </a:cubicBezTo>
+                <a:cubicBezTo>
+                  <a:pt x="388798" y="707413"/>
+                  <a:pt x="608264" y="876746"/>
+                  <a:pt x="808790" y="995948"/>
+                </a:cubicBezTo>
+                <a:cubicBezTo>
+                  <a:pt x="1009316" y="1115150"/>
+                  <a:pt x="1233237" y="1185891"/>
+                  <a:pt x="1457158" y="1256632"/>
+                </a:cubicBezTo>
+              </a:path>
+            </a:pathLst>
+          </a:custGeom>
+          <a:ln w="57150" cmpd="sng">
+            <a:solidFill>
+              <a:srgbClr val="FF0000"/>
+            </a:solidFill>
+          </a:ln>
+        </p:spPr>
+        <p:style>
+          <a:lnRef idx="2">
+            <a:schemeClr val="accent1"/>
+          </a:lnRef>
+          <a:fillRef idx="0">
+            <a:schemeClr val="accent1"/>
+          </a:fillRef>
+          <a:effectRef idx="1">
+            <a:schemeClr val="accent1"/>
+          </a:effectRef>
+          <a:fontRef idx="minor">
+            <a:schemeClr val="tx1"/>
+          </a:fontRef>
+        </p:style>
+        <p:txBody>
+          <a:bodyPr rtlCol="0" anchor="ctr"/>
+          <a:lstStyle/>
+          <a:p>
+            <a:pPr algn="ctr"/>
+            <a:endParaRPr lang="en-US"/>
+          </a:p>
+        </p:txBody>
+      </p:sp>
+      <p:sp>
+        <p:nvSpPr>
+          <p:cNvPr id="42" name="Freeform 41"/>
+          <p:cNvSpPr/>
+          <p:nvPr/>
+        </p:nvSpPr>
+        <p:spPr>
+          <a:xfrm>
+            <a:off x="1180583" y="2536803"/>
+            <a:ext cx="939255" cy="1256632"/>
+          </a:xfrm>
+          <a:custGeom>
+            <a:avLst/>
+            <a:gdLst>
+              <a:gd name="connsiteX0" fmla="*/ 0 w 1457158"/>
+              <a:gd name="connsiteY0" fmla="*/ 0 h 1256632"/>
+              <a:gd name="connsiteX1" fmla="*/ 254000 w 1457158"/>
+              <a:gd name="connsiteY1" fmla="*/ 541422 h 1256632"/>
+              <a:gd name="connsiteX2" fmla="*/ 808790 w 1457158"/>
+              <a:gd name="connsiteY2" fmla="*/ 995948 h 1256632"/>
+              <a:gd name="connsiteX3" fmla="*/ 1457158 w 1457158"/>
+              <a:gd name="connsiteY3" fmla="*/ 1256632 h 1256632"/>
+            </a:gdLst>
+            <a:ahLst/>
+            <a:cxnLst>
+              <a:cxn ang="0">
+                <a:pos x="connsiteX0" y="connsiteY0"/>
+              </a:cxn>
+              <a:cxn ang="0">
+                <a:pos x="connsiteX1" y="connsiteY1"/>
+              </a:cxn>
+              <a:cxn ang="0">
+                <a:pos x="connsiteX2" y="connsiteY2"/>
+              </a:cxn>
+              <a:cxn ang="0">
+                <a:pos x="connsiteX3" y="connsiteY3"/>
+              </a:cxn>
+            </a:cxnLst>
+            <a:rect l="l" t="t" r="r" b="b"/>
+            <a:pathLst>
+              <a:path w="1457158" h="1256632">
+                <a:moveTo>
+                  <a:pt x="0" y="0"/>
+                </a:moveTo>
+                <a:cubicBezTo>
+                  <a:pt x="59601" y="187715"/>
+                  <a:pt x="119202" y="375431"/>
+                  <a:pt x="254000" y="541422"/>
+                </a:cubicBezTo>
+                <a:cubicBezTo>
+                  <a:pt x="388798" y="707413"/>
+                  <a:pt x="608264" y="876746"/>
+                  <a:pt x="808790" y="995948"/>
+                </a:cubicBezTo>
+                <a:cubicBezTo>
+                  <a:pt x="1009316" y="1115150"/>
+                  <a:pt x="1233237" y="1185891"/>
+                  <a:pt x="1457158" y="1256632"/>
+                </a:cubicBezTo>
+              </a:path>
+            </a:pathLst>
+          </a:custGeom>
+          <a:ln w="57150" cmpd="sng">
+            <a:solidFill>
+              <a:srgbClr val="FF0000"/>
+            </a:solidFill>
+          </a:ln>
+        </p:spPr>
+        <p:style>
+          <a:lnRef idx="2">
+            <a:schemeClr val="accent1"/>
+          </a:lnRef>
+          <a:fillRef idx="0">
+            <a:schemeClr val="accent1"/>
+          </a:fillRef>
+          <a:effectRef idx="1">
+            <a:schemeClr val="accent1"/>
+          </a:effectRef>
+          <a:fontRef idx="minor">
+            <a:schemeClr val="tx1"/>
+          </a:fontRef>
+        </p:style>
+        <p:txBody>
+          <a:bodyPr rtlCol="0" anchor="ctr"/>
+          <a:lstStyle/>
+          <a:p>
+            <a:pPr algn="ctr"/>
+            <a:endParaRPr lang="en-US"/>
+          </a:p>
+        </p:txBody>
+      </p:sp>
+      <p:cxnSp>
+        <p:nvCxnSpPr>
+          <p:cNvPr id="51" name="Straight Arrow Connector 50"/>
+          <p:cNvCxnSpPr/>
+          <p:nvPr/>
+        </p:nvCxnSpPr>
+        <p:spPr>
+          <a:xfrm>
+            <a:off x="1118772" y="5099774"/>
+            <a:ext cx="1567649" cy="204"/>
+          </a:xfrm>
+          <a:prstGeom prst="straightConnector1">
+            <a:avLst/>
+          </a:prstGeom>
+          <a:ln w="57150" cmpd="sng">
+            <a:solidFill>
+              <a:srgbClr val="000000"/>
+            </a:solidFill>
+            <a:tailEnd type="arrow"/>
+          </a:ln>
+          <a:effectLst>
+            <a:outerShdw blurRad="50800" dist="25400" dir="2700000" algn="tl" rotWithShape="0">
+              <a:prstClr val="black">
+                <a:alpha val="40000"/>
+              </a:prstClr>
+            </a:outerShdw>
+          </a:effectLst>
+        </p:spPr>
+        <p:style>
+          <a:lnRef idx="2">
+            <a:schemeClr val="accent1"/>
+          </a:lnRef>
+          <a:fillRef idx="0">
+            <a:schemeClr val="accent1"/>
+          </a:fillRef>
+          <a:effectRef idx="1">
+            <a:schemeClr val="accent1"/>
+          </a:effectRef>
+          <a:fontRef idx="minor">
+            <a:schemeClr val="tx1"/>
+          </a:fontRef>
+        </p:style>
+      </p:cxnSp>
+      <p:cxnSp>
+        <p:nvCxnSpPr>
+          <p:cNvPr id="52" name="Straight Arrow Connector 51"/>
+          <p:cNvCxnSpPr/>
+          <p:nvPr/>
+        </p:nvCxnSpPr>
+        <p:spPr>
+          <a:xfrm>
+            <a:off x="1112549" y="6231478"/>
+            <a:ext cx="1567649" cy="204"/>
+          </a:xfrm>
+          <a:prstGeom prst="straightConnector1">
+            <a:avLst/>
+          </a:prstGeom>
+          <a:ln w="57150" cmpd="sng">
+            <a:solidFill>
+              <a:srgbClr val="000000"/>
+            </a:solidFill>
+            <a:tailEnd type="arrow"/>
+          </a:ln>
+          <a:effectLst>
+            <a:outerShdw blurRad="50800" dist="25400" dir="2700000" algn="tl" rotWithShape="0">
+              <a:prstClr val="black">
+                <a:alpha val="40000"/>
+              </a:prstClr>
+            </a:outerShdw>
+          </a:effectLst>
+        </p:spPr>
+        <p:style>
+          <a:lnRef idx="2">
+            <a:schemeClr val="accent1"/>
+          </a:lnRef>
+          <a:fillRef idx="0">
+            <a:schemeClr val="accent1"/>
+          </a:fillRef>
+          <a:effectRef idx="1">
+            <a:schemeClr val="accent1"/>
+          </a:effectRef>
+          <a:fontRef idx="minor">
+            <a:schemeClr val="tx1"/>
+          </a:fontRef>
+        </p:style>
+      </p:cxnSp>
+      <p:cxnSp>
+        <p:nvCxnSpPr>
+          <p:cNvPr id="62" name="Straight Arrow Connector 61"/>
+          <p:cNvCxnSpPr/>
+          <p:nvPr/>
+        </p:nvCxnSpPr>
+        <p:spPr>
+          <a:xfrm flipV="1">
+            <a:off x="1118772" y="5099774"/>
+            <a:ext cx="0" cy="1136581"/>
+          </a:xfrm>
+          <a:prstGeom prst="straightConnector1">
+            <a:avLst/>
+          </a:prstGeom>
+          <a:ln w="57150" cmpd="sng">
+            <a:solidFill>
+              <a:srgbClr val="000000"/>
+            </a:solidFill>
+            <a:tailEnd type="arrow"/>
+          </a:ln>
+          <a:effectLst>
+            <a:outerShdw blurRad="50800" dist="25400" dir="2700000" algn="tl" rotWithShape="0">
+              <a:prstClr val="black">
+                <a:alpha val="40000"/>
+              </a:prstClr>
+            </a:outerShdw>
+          </a:effectLst>
+        </p:spPr>
+        <p:style>
+          <a:lnRef idx="2">
+            <a:schemeClr val="accent1"/>
+          </a:lnRef>
+          <a:fillRef idx="0">
+            <a:schemeClr val="accent1"/>
+          </a:fillRef>
+          <a:effectRef idx="1">
+            <a:schemeClr val="accent1"/>
+          </a:effectRef>
+          <a:fontRef idx="minor">
+            <a:schemeClr val="tx1"/>
+          </a:fontRef>
+        </p:style>
+      </p:cxnSp>
+      <p:sp>
+        <p:nvSpPr>
+          <p:cNvPr id="63" name="TextBox 62"/>
+          <p:cNvSpPr txBox="1"/>
+          <p:nvPr/>
+        </p:nvSpPr>
+        <p:spPr>
+          <a:xfrm>
+            <a:off x="1459252" y="6295240"/>
+            <a:ext cx="756366" cy="307777"/>
+          </a:xfrm>
+          <a:prstGeom prst="rect">
+            <a:avLst/>
+          </a:prstGeom>
+          <a:noFill/>
+          <a:ln w="57150" cmpd="sng">
+            <a:noFill/>
+          </a:ln>
+          <a:effectLst>
+            <a:outerShdw blurRad="50800" dist="25400" dir="2700000" algn="tl" rotWithShape="0">
+              <a:prstClr val="black">
+                <a:alpha val="40000"/>
+              </a:prstClr>
+            </a:outerShdw>
+          </a:effectLst>
+        </p:spPr>
+        <p:txBody>
+          <a:bodyPr wrap="square" rtlCol="0">
+            <a:spAutoFit/>
+          </a:bodyPr>
+          <a:lstStyle/>
+          <a:p>
+            <a:pPr algn="ctr"/>
+            <a:r>
+              <a:rPr lang="en-US" sz="1400" b="1" i="1" dirty="0">
+                <a:latin typeface="Century Gothic"/>
+                <a:cs typeface="Century Gothic"/>
+              </a:rPr>
+              <a:t>R</a:t>
+            </a:r>
+            <a:r>
+              <a:rPr lang="en-US" sz="1400" b="1" i="1" dirty="0" smtClean="0">
+                <a:latin typeface="Century Gothic"/>
+                <a:cs typeface="Century Gothic"/>
+              </a:rPr>
+              <a:t>adius</a:t>
+            </a:r>
+            <a:endParaRPr lang="en-US" sz="1400" b="1" i="1" dirty="0" smtClean="0">
+              <a:latin typeface="Century Gothic"/>
+              <a:cs typeface="Century Gothic"/>
+            </a:endParaRPr>
+          </a:p>
+        </p:txBody>
+      </p:sp>
+      <p:sp>
+        <p:nvSpPr>
+          <p:cNvPr id="64" name="Freeform 63"/>
+          <p:cNvSpPr/>
+          <p:nvPr/>
+        </p:nvSpPr>
+        <p:spPr>
+          <a:xfrm>
+            <a:off x="1190885" y="5440725"/>
+            <a:ext cx="1349598" cy="600258"/>
+          </a:xfrm>
+          <a:custGeom>
+            <a:avLst/>
+            <a:gdLst>
+              <a:gd name="connsiteX0" fmla="*/ 0 w 1474230"/>
+              <a:gd name="connsiteY0" fmla="*/ 600258 h 600258"/>
+              <a:gd name="connsiteX1" fmla="*/ 115452 w 1474230"/>
+              <a:gd name="connsiteY1" fmla="*/ 324961 h 600258"/>
+              <a:gd name="connsiteX2" fmla="*/ 346355 w 1474230"/>
+              <a:gd name="connsiteY2" fmla="*/ 76306 h 600258"/>
+              <a:gd name="connsiteX3" fmla="*/ 621663 w 1474230"/>
+              <a:gd name="connsiteY3" fmla="*/ 5262 h 600258"/>
+              <a:gd name="connsiteX4" fmla="*/ 1474230 w 1474230"/>
+              <a:gd name="connsiteY4" fmla="*/ 5262 h 600258"/>
+              <a:gd name="connsiteX5" fmla="*/ 1474230 w 1474230"/>
+              <a:gd name="connsiteY5" fmla="*/ 5262 h 600258"/>
+            </a:gdLst>
+            <a:ahLst/>
+            <a:cxnLst>
+              <a:cxn ang="0">
+                <a:pos x="connsiteX0" y="connsiteY0"/>
+              </a:cxn>
+              <a:cxn ang="0">
+                <a:pos x="connsiteX1" y="connsiteY1"/>
+              </a:cxn>
+              <a:cxn ang="0">
+                <a:pos x="connsiteX2" y="connsiteY2"/>
+              </a:cxn>
+              <a:cxn ang="0">
+                <a:pos x="connsiteX3" y="connsiteY3"/>
+              </a:cxn>
+              <a:cxn ang="0">
+                <a:pos x="connsiteX4" y="connsiteY4"/>
+              </a:cxn>
+              <a:cxn ang="0">
+                <a:pos x="connsiteX5" y="connsiteY5"/>
+              </a:cxn>
+            </a:cxnLst>
+            <a:rect l="l" t="t" r="r" b="b"/>
+            <a:pathLst>
+              <a:path w="1474230" h="600258">
+                <a:moveTo>
+                  <a:pt x="0" y="600258"/>
+                </a:moveTo>
+                <a:cubicBezTo>
+                  <a:pt x="28863" y="506272"/>
+                  <a:pt x="57726" y="412286"/>
+                  <a:pt x="115452" y="324961"/>
+                </a:cubicBezTo>
+                <a:cubicBezTo>
+                  <a:pt x="173178" y="237636"/>
+                  <a:pt x="261987" y="129589"/>
+                  <a:pt x="346355" y="76306"/>
+                </a:cubicBezTo>
+                <a:cubicBezTo>
+                  <a:pt x="430724" y="23023"/>
+                  <a:pt x="433684" y="17103"/>
+                  <a:pt x="621663" y="5262"/>
+                </a:cubicBezTo>
+                <a:cubicBezTo>
+                  <a:pt x="809642" y="-6579"/>
+                  <a:pt x="1474230" y="5262"/>
+                  <a:pt x="1474230" y="5262"/>
+                </a:cubicBezTo>
+                <a:lnTo>
+                  <a:pt x="1474230" y="5262"/>
+                </a:lnTo>
+              </a:path>
+            </a:pathLst>
+          </a:custGeom>
+          <a:ln w="57150" cmpd="sng">
+            <a:solidFill>
+              <a:srgbClr val="000000"/>
+            </a:solidFill>
+          </a:ln>
+          <a:effectLst>
+            <a:outerShdw blurRad="50800" dist="25400" dir="2700000" algn="tl" rotWithShape="0">
+              <a:prstClr val="black">
+                <a:alpha val="40000"/>
+              </a:prstClr>
+            </a:outerShdw>
+          </a:effectLst>
+        </p:spPr>
+        <p:style>
+          <a:lnRef idx="2">
+            <a:schemeClr val="accent1"/>
+          </a:lnRef>
+          <a:fillRef idx="0">
+            <a:schemeClr val="accent1"/>
+          </a:fillRef>
+          <a:effectRef idx="1">
+            <a:schemeClr val="accent1"/>
+          </a:effectRef>
+          <a:fontRef idx="minor">
+            <a:schemeClr val="tx1"/>
+          </a:fontRef>
+        </p:style>
+        <p:txBody>
+          <a:bodyPr rtlCol="0" anchor="ctr"/>
+          <a:lstStyle/>
+          <a:p>
+            <a:pPr algn="ctr"/>
+            <a:endParaRPr lang="en-US" b="1" i="1"/>
+          </a:p>
+        </p:txBody>
+      </p:sp>
+      <p:cxnSp>
+        <p:nvCxnSpPr>
+          <p:cNvPr id="65" name="Straight Arrow Connector 64"/>
+          <p:cNvCxnSpPr/>
+          <p:nvPr/>
+        </p:nvCxnSpPr>
+        <p:spPr>
+          <a:xfrm>
+            <a:off x="3706858" y="5099978"/>
+            <a:ext cx="1567649" cy="204"/>
+          </a:xfrm>
+          <a:prstGeom prst="straightConnector1">
+            <a:avLst/>
+          </a:prstGeom>
+          <a:ln w="57150" cmpd="sng">
+            <a:solidFill>
+              <a:srgbClr val="000000"/>
+            </a:solidFill>
+            <a:tailEnd type="arrow"/>
+          </a:ln>
+          <a:effectLst>
+            <a:outerShdw blurRad="50800" dist="25400" dir="2700000" algn="tl" rotWithShape="0">
+              <a:prstClr val="black">
+                <a:alpha val="40000"/>
+              </a:prstClr>
+            </a:outerShdw>
+          </a:effectLst>
+        </p:spPr>
+        <p:style>
+          <a:lnRef idx="2">
+            <a:schemeClr val="accent1"/>
+          </a:lnRef>
+          <a:fillRef idx="0">
+            <a:schemeClr val="accent1"/>
+          </a:fillRef>
+          <a:effectRef idx="1">
+            <a:schemeClr val="accent1"/>
+          </a:effectRef>
+          <a:fontRef idx="minor">
+            <a:schemeClr val="tx1"/>
+          </a:fontRef>
+        </p:style>
+      </p:cxnSp>
+      <p:cxnSp>
+        <p:nvCxnSpPr>
+          <p:cNvPr id="66" name="Straight Arrow Connector 65"/>
+          <p:cNvCxnSpPr/>
+          <p:nvPr/>
+        </p:nvCxnSpPr>
+        <p:spPr>
+          <a:xfrm>
+            <a:off x="3700635" y="6231682"/>
+            <a:ext cx="1567649" cy="204"/>
+          </a:xfrm>
+          <a:prstGeom prst="straightConnector1">
+            <a:avLst/>
+          </a:prstGeom>
+          <a:ln w="57150" cmpd="sng">
+            <a:solidFill>
+              <a:srgbClr val="000000"/>
+            </a:solidFill>
+            <a:tailEnd type="arrow"/>
+          </a:ln>
+          <a:effectLst>
+            <a:outerShdw blurRad="50800" dist="25400" dir="2700000" algn="tl" rotWithShape="0">
+              <a:prstClr val="black">
+                <a:alpha val="40000"/>
+              </a:prstClr>
+            </a:outerShdw>
+          </a:effectLst>
+        </p:spPr>
+        <p:style>
+          <a:lnRef idx="2">
+            <a:schemeClr val="accent1"/>
+          </a:lnRef>
+          <a:fillRef idx="0">
+            <a:schemeClr val="accent1"/>
+          </a:fillRef>
+          <a:effectRef idx="1">
+            <a:schemeClr val="accent1"/>
+          </a:effectRef>
+          <a:fontRef idx="minor">
+            <a:schemeClr val="tx1"/>
+          </a:fontRef>
+        </p:style>
+      </p:cxnSp>
+      <p:cxnSp>
+        <p:nvCxnSpPr>
+          <p:cNvPr id="67" name="Straight Arrow Connector 66"/>
+          <p:cNvCxnSpPr/>
+          <p:nvPr/>
+        </p:nvCxnSpPr>
+        <p:spPr>
+          <a:xfrm flipV="1">
+            <a:off x="3706858" y="5099978"/>
+            <a:ext cx="0" cy="1136581"/>
+          </a:xfrm>
+          <a:prstGeom prst="straightConnector1">
+            <a:avLst/>
+          </a:prstGeom>
+          <a:ln w="57150" cmpd="sng">
+            <a:solidFill>
+              <a:srgbClr val="000000"/>
+            </a:solidFill>
+            <a:tailEnd type="arrow"/>
+          </a:ln>
+          <a:effectLst>
+            <a:outerShdw blurRad="50800" dist="25400" dir="2700000" algn="tl" rotWithShape="0">
+              <a:prstClr val="black">
+                <a:alpha val="40000"/>
+              </a:prstClr>
+            </a:outerShdw>
+          </a:effectLst>
+        </p:spPr>
+        <p:style>
+          <a:lnRef idx="2">
+            <a:schemeClr val="accent1"/>
+          </a:lnRef>
+          <a:fillRef idx="0">
+            <a:schemeClr val="accent1"/>
+          </a:fillRef>
+          <a:effectRef idx="1">
+            <a:schemeClr val="accent1"/>
+          </a:effectRef>
+          <a:fontRef idx="minor">
+            <a:schemeClr val="tx1"/>
+          </a:fontRef>
+        </p:style>
+      </p:cxnSp>
+      <p:sp>
+        <p:nvSpPr>
+          <p:cNvPr id="72" name="TextBox 71"/>
+          <p:cNvSpPr txBox="1"/>
+          <p:nvPr/>
+        </p:nvSpPr>
+        <p:spPr>
+          <a:xfrm>
+            <a:off x="4047338" y="6295444"/>
+            <a:ext cx="756366" cy="307777"/>
+          </a:xfrm>
+          <a:prstGeom prst="rect">
+            <a:avLst/>
+          </a:prstGeom>
+          <a:noFill/>
+          <a:ln w="57150" cmpd="sng">
+            <a:noFill/>
+          </a:ln>
+          <a:effectLst>
+            <a:outerShdw blurRad="50800" dist="25400" dir="2700000" algn="tl" rotWithShape="0">
+              <a:prstClr val="black">
+                <a:alpha val="40000"/>
+              </a:prstClr>
+            </a:outerShdw>
+          </a:effectLst>
+        </p:spPr>
+        <p:txBody>
+          <a:bodyPr wrap="square" rtlCol="0">
+            <a:spAutoFit/>
+          </a:bodyPr>
+          <a:lstStyle/>
+          <a:p>
+            <a:pPr algn="ctr"/>
+            <a:r>
+              <a:rPr lang="en-US" sz="1400" b="1" i="1" dirty="0">
+                <a:latin typeface="Century Gothic"/>
+                <a:cs typeface="Century Gothic"/>
+              </a:rPr>
+              <a:t>R</a:t>
+            </a:r>
+            <a:r>
+              <a:rPr lang="en-US" sz="1400" b="1" i="1" dirty="0" smtClean="0">
+                <a:latin typeface="Century Gothic"/>
+                <a:cs typeface="Century Gothic"/>
+              </a:rPr>
+              <a:t>adius</a:t>
+            </a:r>
+            <a:endParaRPr lang="en-US" sz="1400" b="1" i="1" dirty="0" smtClean="0">
+              <a:latin typeface="Century Gothic"/>
+              <a:cs typeface="Century Gothic"/>
+            </a:endParaRPr>
+          </a:p>
+        </p:txBody>
+      </p:sp>
+      <p:sp>
+        <p:nvSpPr>
+          <p:cNvPr id="73" name="Freeform 72"/>
+          <p:cNvSpPr/>
+          <p:nvPr/>
+        </p:nvSpPr>
+        <p:spPr>
+          <a:xfrm>
+            <a:off x="3801509" y="5472191"/>
+            <a:ext cx="1314373" cy="586550"/>
+          </a:xfrm>
+          <a:custGeom>
+            <a:avLst/>
+            <a:gdLst>
+              <a:gd name="connsiteX0" fmla="*/ 0 w 1314373"/>
+              <a:gd name="connsiteY0" fmla="*/ 568789 h 586550"/>
+              <a:gd name="connsiteX1" fmla="*/ 275308 w 1314373"/>
+              <a:gd name="connsiteY1" fmla="*/ 115881 h 586550"/>
+              <a:gd name="connsiteX2" fmla="*/ 470687 w 1314373"/>
+              <a:gd name="connsiteY2" fmla="*/ 434 h 586550"/>
+              <a:gd name="connsiteX3" fmla="*/ 692710 w 1314373"/>
+              <a:gd name="connsiteY3" fmla="*/ 89239 h 586550"/>
+              <a:gd name="connsiteX4" fmla="*/ 1065708 w 1314373"/>
+              <a:gd name="connsiteY4" fmla="*/ 382297 h 586550"/>
+              <a:gd name="connsiteX5" fmla="*/ 1314373 w 1314373"/>
+              <a:gd name="connsiteY5" fmla="*/ 586550 h 586550"/>
+            </a:gdLst>
+            <a:ahLst/>
+            <a:cxnLst>
+              <a:cxn ang="0">
+                <a:pos x="connsiteX0" y="connsiteY0"/>
+              </a:cxn>
+              <a:cxn ang="0">
+                <a:pos x="connsiteX1" y="connsiteY1"/>
+              </a:cxn>
+              <a:cxn ang="0">
+                <a:pos x="connsiteX2" y="connsiteY2"/>
+              </a:cxn>
+              <a:cxn ang="0">
+                <a:pos x="connsiteX3" y="connsiteY3"/>
+              </a:cxn>
+              <a:cxn ang="0">
+                <a:pos x="connsiteX4" y="connsiteY4"/>
+              </a:cxn>
+              <a:cxn ang="0">
+                <a:pos x="connsiteX5" y="connsiteY5"/>
+              </a:cxn>
+            </a:cxnLst>
+            <a:rect l="l" t="t" r="r" b="b"/>
+            <a:pathLst>
+              <a:path w="1314373" h="586550">
+                <a:moveTo>
+                  <a:pt x="0" y="568789"/>
+                </a:moveTo>
+                <a:cubicBezTo>
+                  <a:pt x="98430" y="389698"/>
+                  <a:pt x="196860" y="210607"/>
+                  <a:pt x="275308" y="115881"/>
+                </a:cubicBezTo>
+                <a:cubicBezTo>
+                  <a:pt x="353756" y="21155"/>
+                  <a:pt x="401120" y="4874"/>
+                  <a:pt x="470687" y="434"/>
+                </a:cubicBezTo>
+                <a:cubicBezTo>
+                  <a:pt x="540254" y="-4006"/>
+                  <a:pt x="593540" y="25595"/>
+                  <a:pt x="692710" y="89239"/>
+                </a:cubicBezTo>
+                <a:cubicBezTo>
+                  <a:pt x="791880" y="152883"/>
+                  <a:pt x="962098" y="299412"/>
+                  <a:pt x="1065708" y="382297"/>
+                </a:cubicBezTo>
+                <a:cubicBezTo>
+                  <a:pt x="1169318" y="465182"/>
+                  <a:pt x="1314373" y="586550"/>
+                  <a:pt x="1314373" y="586550"/>
+                </a:cubicBezTo>
+              </a:path>
+            </a:pathLst>
+          </a:custGeom>
+          <a:ln w="57150" cmpd="sng">
+            <a:solidFill>
+              <a:srgbClr val="000000"/>
+            </a:solidFill>
+          </a:ln>
+          <a:effectLst>
+            <a:outerShdw blurRad="50800" dist="25400" dir="2700000" algn="tl" rotWithShape="0">
+              <a:prstClr val="black">
+                <a:alpha val="40000"/>
+              </a:prstClr>
+            </a:outerShdw>
+          </a:effectLst>
+        </p:spPr>
+        <p:style>
+          <a:lnRef idx="2">
+            <a:schemeClr val="accent1"/>
+          </a:lnRef>
+          <a:fillRef idx="0">
+            <a:schemeClr val="accent1"/>
+          </a:fillRef>
+          <a:effectRef idx="1">
+            <a:schemeClr val="accent1"/>
+          </a:effectRef>
+          <a:fontRef idx="minor">
+            <a:schemeClr val="tx1"/>
+          </a:fontRef>
+        </p:style>
+        <p:txBody>
+          <a:bodyPr rtlCol="0" anchor="ctr"/>
+          <a:lstStyle/>
+          <a:p>
+            <a:pPr algn="ctr"/>
+            <a:endParaRPr lang="en-US" b="1" i="1"/>
+          </a:p>
+        </p:txBody>
+      </p:sp>
+      <p:cxnSp>
+        <p:nvCxnSpPr>
+          <p:cNvPr id="74" name="Straight Arrow Connector 73"/>
+          <p:cNvCxnSpPr/>
+          <p:nvPr/>
+        </p:nvCxnSpPr>
+        <p:spPr>
+          <a:xfrm>
+            <a:off x="6326724" y="5099978"/>
+            <a:ext cx="1567649" cy="204"/>
+          </a:xfrm>
+          <a:prstGeom prst="straightConnector1">
+            <a:avLst/>
+          </a:prstGeom>
+          <a:ln w="57150" cmpd="sng">
+            <a:solidFill>
+              <a:srgbClr val="000000"/>
+            </a:solidFill>
+            <a:tailEnd type="arrow"/>
+          </a:ln>
+          <a:effectLst>
+            <a:outerShdw blurRad="50800" dist="25400" dir="2700000" algn="tl" rotWithShape="0">
+              <a:prstClr val="black">
+                <a:alpha val="40000"/>
+              </a:prstClr>
+            </a:outerShdw>
+          </a:effectLst>
+        </p:spPr>
+        <p:style>
+          <a:lnRef idx="2">
+            <a:schemeClr val="accent1"/>
+          </a:lnRef>
+          <a:fillRef idx="0">
+            <a:schemeClr val="accent1"/>
+          </a:fillRef>
+          <a:effectRef idx="1">
+            <a:schemeClr val="accent1"/>
+          </a:effectRef>
+          <a:fontRef idx="minor">
+            <a:schemeClr val="tx1"/>
+          </a:fontRef>
+        </p:style>
+      </p:cxnSp>
+      <p:cxnSp>
+        <p:nvCxnSpPr>
+          <p:cNvPr id="75" name="Straight Arrow Connector 74"/>
+          <p:cNvCxnSpPr/>
+          <p:nvPr/>
+        </p:nvCxnSpPr>
+        <p:spPr>
+          <a:xfrm>
+            <a:off x="6320501" y="6231682"/>
+            <a:ext cx="1567649" cy="204"/>
+          </a:xfrm>
+          <a:prstGeom prst="straightConnector1">
+            <a:avLst/>
+          </a:prstGeom>
+          <a:ln w="57150" cmpd="sng">
+            <a:solidFill>
+              <a:srgbClr val="000000"/>
+            </a:solidFill>
+            <a:tailEnd type="arrow"/>
+          </a:ln>
+          <a:effectLst>
+            <a:outerShdw blurRad="50800" dist="25400" dir="2700000" algn="tl" rotWithShape="0">
+              <a:prstClr val="black">
+                <a:alpha val="40000"/>
+              </a:prstClr>
+            </a:outerShdw>
+          </a:effectLst>
+        </p:spPr>
+        <p:style>
+          <a:lnRef idx="2">
+            <a:schemeClr val="accent1"/>
+          </a:lnRef>
+          <a:fillRef idx="0">
+            <a:schemeClr val="accent1"/>
+          </a:fillRef>
+          <a:effectRef idx="1">
+            <a:schemeClr val="accent1"/>
+          </a:effectRef>
+          <a:fontRef idx="minor">
+            <a:schemeClr val="tx1"/>
+          </a:fontRef>
+        </p:style>
+      </p:cxnSp>
+      <p:cxnSp>
+        <p:nvCxnSpPr>
+          <p:cNvPr id="76" name="Straight Arrow Connector 75"/>
+          <p:cNvCxnSpPr/>
+          <p:nvPr/>
+        </p:nvCxnSpPr>
+        <p:spPr>
+          <a:xfrm flipV="1">
+            <a:off x="6326724" y="5099978"/>
+            <a:ext cx="0" cy="1136581"/>
+          </a:xfrm>
+          <a:prstGeom prst="straightConnector1">
+            <a:avLst/>
+          </a:prstGeom>
+          <a:ln w="57150" cmpd="sng">
+            <a:solidFill>
+              <a:srgbClr val="000000"/>
+            </a:solidFill>
+            <a:tailEnd type="arrow"/>
+          </a:ln>
+          <a:effectLst>
+            <a:outerShdw blurRad="50800" dist="25400" dir="2700000" algn="tl" rotWithShape="0">
+              <a:prstClr val="black">
+                <a:alpha val="40000"/>
+              </a:prstClr>
+            </a:outerShdw>
+          </a:effectLst>
+        </p:spPr>
+        <p:style>
+          <a:lnRef idx="2">
+            <a:schemeClr val="accent1"/>
+          </a:lnRef>
+          <a:fillRef idx="0">
+            <a:schemeClr val="accent1"/>
+          </a:fillRef>
+          <a:effectRef idx="1">
+            <a:schemeClr val="accent1"/>
+          </a:effectRef>
+          <a:fontRef idx="minor">
+            <a:schemeClr val="tx1"/>
+          </a:fontRef>
+        </p:style>
+      </p:cxnSp>
+      <p:sp>
+        <p:nvSpPr>
+          <p:cNvPr id="77" name="TextBox 76"/>
+          <p:cNvSpPr txBox="1"/>
+          <p:nvPr/>
+        </p:nvSpPr>
+        <p:spPr>
+          <a:xfrm>
+            <a:off x="6667204" y="6295444"/>
+            <a:ext cx="756366" cy="307777"/>
+          </a:xfrm>
+          <a:prstGeom prst="rect">
+            <a:avLst/>
+          </a:prstGeom>
+          <a:noFill/>
+          <a:ln w="57150" cmpd="sng">
+            <a:noFill/>
+          </a:ln>
+          <a:effectLst>
+            <a:outerShdw blurRad="50800" dist="25400" dir="2700000" algn="tl" rotWithShape="0">
+              <a:prstClr val="black">
+                <a:alpha val="40000"/>
+              </a:prstClr>
+            </a:outerShdw>
+          </a:effectLst>
+        </p:spPr>
+        <p:txBody>
+          <a:bodyPr wrap="square" rtlCol="0">
+            <a:spAutoFit/>
+          </a:bodyPr>
+          <a:lstStyle/>
+          <a:p>
+            <a:pPr algn="ctr"/>
+            <a:r>
+              <a:rPr lang="en-US" sz="1400" b="1" i="1" dirty="0">
+                <a:latin typeface="Century Gothic"/>
+                <a:cs typeface="Century Gothic"/>
+              </a:rPr>
+              <a:t>R</a:t>
+            </a:r>
+            <a:r>
+              <a:rPr lang="en-US" sz="1400" b="1" i="1" dirty="0" smtClean="0">
+                <a:latin typeface="Century Gothic"/>
+                <a:cs typeface="Century Gothic"/>
+              </a:rPr>
+              <a:t>adius</a:t>
+            </a:r>
+            <a:endParaRPr lang="en-US" sz="1400" b="1" i="1" dirty="0" smtClean="0">
+              <a:latin typeface="Century Gothic"/>
+              <a:cs typeface="Century Gothic"/>
+            </a:endParaRPr>
+          </a:p>
+        </p:txBody>
+      </p:sp>
+      <p:sp>
+        <p:nvSpPr>
+          <p:cNvPr id="78" name="Freeform 77"/>
+          <p:cNvSpPr/>
+          <p:nvPr/>
+        </p:nvSpPr>
+        <p:spPr>
+          <a:xfrm>
+            <a:off x="6407128" y="5419350"/>
+            <a:ext cx="1447587" cy="625529"/>
+          </a:xfrm>
+          <a:custGeom>
+            <a:avLst/>
+            <a:gdLst>
+              <a:gd name="connsiteX0" fmla="*/ 0 w 1447587"/>
+              <a:gd name="connsiteY0" fmla="*/ 0 h 625529"/>
+              <a:gd name="connsiteX1" fmla="*/ 115451 w 1447587"/>
+              <a:gd name="connsiteY1" fmla="*/ 417386 h 625529"/>
+              <a:gd name="connsiteX2" fmla="*/ 248665 w 1447587"/>
+              <a:gd name="connsiteY2" fmla="*/ 603877 h 625529"/>
+              <a:gd name="connsiteX3" fmla="*/ 364117 w 1447587"/>
+              <a:gd name="connsiteY3" fmla="*/ 621638 h 625529"/>
+              <a:gd name="connsiteX4" fmla="*/ 1447587 w 1447587"/>
+              <a:gd name="connsiteY4" fmla="*/ 612757 h 625529"/>
+            </a:gdLst>
+            <a:ahLst/>
+            <a:cxnLst>
+              <a:cxn ang="0">
+                <a:pos x="connsiteX0" y="connsiteY0"/>
+              </a:cxn>
+              <a:cxn ang="0">
+                <a:pos x="connsiteX1" y="connsiteY1"/>
+              </a:cxn>
+              <a:cxn ang="0">
+                <a:pos x="connsiteX2" y="connsiteY2"/>
+              </a:cxn>
+              <a:cxn ang="0">
+                <a:pos x="connsiteX3" y="connsiteY3"/>
+              </a:cxn>
+              <a:cxn ang="0">
+                <a:pos x="connsiteX4" y="connsiteY4"/>
+              </a:cxn>
+            </a:cxnLst>
+            <a:rect l="l" t="t" r="r" b="b"/>
+            <a:pathLst>
+              <a:path w="1447587" h="625529">
+                <a:moveTo>
+                  <a:pt x="0" y="0"/>
+                </a:moveTo>
+                <a:cubicBezTo>
+                  <a:pt x="37003" y="158370"/>
+                  <a:pt x="74007" y="316740"/>
+                  <a:pt x="115451" y="417386"/>
+                </a:cubicBezTo>
+                <a:cubicBezTo>
+                  <a:pt x="156895" y="518032"/>
+                  <a:pt x="207221" y="569835"/>
+                  <a:pt x="248665" y="603877"/>
+                </a:cubicBezTo>
+                <a:cubicBezTo>
+                  <a:pt x="290109" y="637919"/>
+                  <a:pt x="364117" y="621638"/>
+                  <a:pt x="364117" y="621638"/>
+                </a:cubicBezTo>
+                <a:lnTo>
+                  <a:pt x="1447587" y="612757"/>
+                </a:lnTo>
+              </a:path>
+            </a:pathLst>
+          </a:custGeom>
+          <a:ln w="57150" cmpd="sng">
+            <a:solidFill>
+              <a:srgbClr val="000000"/>
+            </a:solidFill>
+          </a:ln>
+          <a:effectLst>
+            <a:outerShdw blurRad="50800" dist="25400" dir="2700000" algn="tl" rotWithShape="0">
+              <a:prstClr val="black">
+                <a:alpha val="40000"/>
+              </a:prstClr>
+            </a:outerShdw>
+          </a:effectLst>
+        </p:spPr>
+        <p:style>
+          <a:lnRef idx="2">
+            <a:schemeClr val="accent1"/>
+          </a:lnRef>
+          <a:fillRef idx="0">
+            <a:schemeClr val="accent1"/>
+          </a:fillRef>
+          <a:effectRef idx="1">
+            <a:schemeClr val="accent1"/>
+          </a:effectRef>
+          <a:fontRef idx="minor">
+            <a:schemeClr val="tx1"/>
+          </a:fontRef>
+        </p:style>
+        <p:txBody>
+          <a:bodyPr rtlCol="0" anchor="ctr"/>
+          <a:lstStyle/>
+          <a:p>
+            <a:pPr algn="ctr"/>
+            <a:endParaRPr lang="en-US" b="1" i="1"/>
+          </a:p>
+        </p:txBody>
+      </p:sp>
+      <p:sp>
+        <p:nvSpPr>
+          <p:cNvPr id="79" name="TextBox 78"/>
+          <p:cNvSpPr txBox="1"/>
+          <p:nvPr/>
+        </p:nvSpPr>
+        <p:spPr>
+          <a:xfrm rot="16200000">
+            <a:off x="-165058" y="5511440"/>
+            <a:ext cx="2010832" cy="307777"/>
+          </a:xfrm>
+          <a:prstGeom prst="rect">
+            <a:avLst/>
+          </a:prstGeom>
+          <a:noFill/>
+          <a:ln w="57150" cmpd="sng">
+            <a:noFill/>
+          </a:ln>
+          <a:effectLst>
+            <a:outerShdw blurRad="50800" dist="25400" dir="2700000" algn="tl" rotWithShape="0">
+              <a:prstClr val="black">
+                <a:alpha val="40000"/>
+              </a:prstClr>
+            </a:outerShdw>
+          </a:effectLst>
+        </p:spPr>
+        <p:txBody>
+          <a:bodyPr wrap="square" rtlCol="0">
+            <a:spAutoFit/>
+          </a:bodyPr>
+          <a:lstStyle/>
+          <a:p>
+            <a:pPr algn="ctr"/>
+            <a:r>
+              <a:rPr lang="en-US" sz="1400" b="1" i="1" dirty="0" smtClean="0">
+                <a:latin typeface="Century Gothic"/>
+                <a:cs typeface="Century Gothic"/>
+              </a:rPr>
+              <a:t>v/</a:t>
+            </a:r>
+            <a:r>
+              <a:rPr lang="en-US" sz="1400" b="1" i="1" dirty="0" smtClean="0">
+                <a:latin typeface="Lucida Grande"/>
+                <a:ea typeface="Lucida Grande"/>
+                <a:cs typeface="Lucida Grande"/>
+              </a:rPr>
+              <a:t>σ</a:t>
+            </a:r>
+            <a:endParaRPr lang="en-US" sz="1400" b="1" i="1" dirty="0" smtClean="0">
+              <a:latin typeface="Century Gothic"/>
+              <a:cs typeface="Century Gothic"/>
+            </a:endParaRPr>
+          </a:p>
+        </p:txBody>
+      </p:sp>
+      <p:sp>
+        <p:nvSpPr>
+          <p:cNvPr id="80" name="TextBox 79"/>
+          <p:cNvSpPr txBox="1"/>
+          <p:nvPr/>
+        </p:nvSpPr>
+        <p:spPr>
+          <a:xfrm rot="16200000">
+            <a:off x="2416324" y="5511441"/>
+            <a:ext cx="2010832" cy="307777"/>
+          </a:xfrm>
+          <a:prstGeom prst="rect">
+            <a:avLst/>
+          </a:prstGeom>
+          <a:noFill/>
+          <a:ln w="57150" cmpd="sng">
+            <a:noFill/>
+          </a:ln>
+          <a:effectLst>
+            <a:outerShdw blurRad="50800" dist="25400" dir="2700000" algn="tl" rotWithShape="0">
+              <a:prstClr val="black">
+                <a:alpha val="40000"/>
+              </a:prstClr>
+            </a:outerShdw>
+          </a:effectLst>
+        </p:spPr>
+        <p:txBody>
+          <a:bodyPr wrap="square" rtlCol="0">
+            <a:spAutoFit/>
+          </a:bodyPr>
+          <a:lstStyle/>
+          <a:p>
+            <a:pPr algn="ctr"/>
+            <a:r>
+              <a:rPr lang="en-US" sz="1400" b="1" i="1" dirty="0" smtClean="0">
+                <a:latin typeface="Century Gothic"/>
+                <a:cs typeface="Century Gothic"/>
+              </a:rPr>
+              <a:t>v/</a:t>
+            </a:r>
+            <a:r>
+              <a:rPr lang="en-US" sz="1400" b="1" i="1" dirty="0" smtClean="0">
+                <a:latin typeface="Lucida Grande"/>
+                <a:ea typeface="Lucida Grande"/>
+                <a:cs typeface="Lucida Grande"/>
+              </a:rPr>
+              <a:t>σ</a:t>
+            </a:r>
+            <a:endParaRPr lang="en-US" sz="1400" b="1" i="1" dirty="0" smtClean="0">
+              <a:latin typeface="Century Gothic"/>
+              <a:cs typeface="Century Gothic"/>
+            </a:endParaRPr>
+          </a:p>
+        </p:txBody>
+      </p:sp>
+      <p:sp>
+        <p:nvSpPr>
+          <p:cNvPr id="81" name="TextBox 80"/>
+          <p:cNvSpPr txBox="1"/>
+          <p:nvPr/>
+        </p:nvSpPr>
+        <p:spPr>
+          <a:xfrm rot="16200000">
+            <a:off x="5036190" y="5511441"/>
+            <a:ext cx="2010832" cy="307777"/>
+          </a:xfrm>
+          <a:prstGeom prst="rect">
+            <a:avLst/>
+          </a:prstGeom>
+          <a:noFill/>
+          <a:ln w="57150" cmpd="sng">
+            <a:noFill/>
+          </a:ln>
+          <a:effectLst>
+            <a:outerShdw blurRad="50800" dist="25400" dir="2700000" algn="tl" rotWithShape="0">
+              <a:prstClr val="black">
+                <a:alpha val="40000"/>
+              </a:prstClr>
+            </a:outerShdw>
+          </a:effectLst>
+        </p:spPr>
+        <p:txBody>
+          <a:bodyPr wrap="square" rtlCol="0">
+            <a:spAutoFit/>
+          </a:bodyPr>
+          <a:lstStyle/>
+          <a:p>
+            <a:pPr algn="ctr"/>
+            <a:r>
+              <a:rPr lang="en-US" sz="1400" b="1" i="1" dirty="0" smtClean="0">
+                <a:latin typeface="Century Gothic"/>
+                <a:cs typeface="Century Gothic"/>
+              </a:rPr>
+              <a:t>v/</a:t>
+            </a:r>
+            <a:r>
+              <a:rPr lang="en-US" sz="1400" b="1" i="1" dirty="0" smtClean="0">
+                <a:latin typeface="Lucida Grande"/>
+                <a:ea typeface="Lucida Grande"/>
+                <a:cs typeface="Lucida Grande"/>
+              </a:rPr>
+              <a:t>σ</a:t>
+            </a:r>
+            <a:endParaRPr lang="en-US" sz="1400" b="1" i="1" dirty="0" smtClean="0">
+              <a:latin typeface="Century Gothic"/>
+              <a:cs typeface="Century Gothic"/>
+            </a:endParaRPr>
+          </a:p>
+        </p:txBody>
+      </p:sp>
+      <p:sp>
+        <p:nvSpPr>
+          <p:cNvPr id="24" name="Oval 23"/>
+          <p:cNvSpPr/>
+          <p:nvPr/>
+        </p:nvSpPr>
+        <p:spPr>
+          <a:xfrm>
+            <a:off x="1488566" y="1207176"/>
+            <a:ext cx="528053" cy="534736"/>
+          </a:xfrm>
+          <a:prstGeom prst="ellipse">
+            <a:avLst/>
+          </a:prstGeom>
+          <a:solidFill>
+            <a:srgbClr val="FF0000">
+              <a:alpha val="83000"/>
+            </a:srgbClr>
+          </a:solidFill>
+          <a:ln>
+            <a:noFill/>
+          </a:ln>
+        </p:spPr>
+        <p:style>
+          <a:lnRef idx="1">
+            <a:schemeClr val="accent1"/>
+          </a:lnRef>
+          <a:fillRef idx="3">
+            <a:schemeClr val="accent1"/>
+          </a:fillRef>
+          <a:effectRef idx="2">
+            <a:schemeClr val="accent1"/>
+          </a:effectRef>
+          <a:fontRef idx="minor">
+            <a:schemeClr val="lt1"/>
+          </a:fontRef>
+        </p:style>
+        <p:txBody>
+          <a:bodyPr rtlCol="0" anchor="ctr"/>
+          <a:lstStyle/>
+          <a:p>
+            <a:pPr algn="ctr"/>
+            <a:endParaRPr lang="en-US"/>
+          </a:p>
+        </p:txBody>
+      </p:sp>
+      <p:sp>
+        <p:nvSpPr>
+          <p:cNvPr id="26" name="Oval 25"/>
+          <p:cNvSpPr/>
+          <p:nvPr/>
+        </p:nvSpPr>
+        <p:spPr>
+          <a:xfrm>
+            <a:off x="1112549" y="1382970"/>
+            <a:ext cx="1271700" cy="193842"/>
+          </a:xfrm>
+          <a:prstGeom prst="ellipse">
+            <a:avLst/>
+          </a:prstGeom>
+          <a:solidFill>
+            <a:srgbClr val="3366FF">
+              <a:alpha val="73000"/>
+            </a:srgbClr>
+          </a:solidFill>
+          <a:ln>
+            <a:noFill/>
+          </a:ln>
+        </p:spPr>
+        <p:style>
+          <a:lnRef idx="1">
+            <a:schemeClr val="accent1"/>
+          </a:lnRef>
+          <a:fillRef idx="3">
+            <a:schemeClr val="accent1"/>
+          </a:fillRef>
+          <a:effectRef idx="2">
+            <a:schemeClr val="accent1"/>
+          </a:effectRef>
+          <a:fontRef idx="minor">
+            <a:schemeClr val="lt1"/>
+          </a:fontRef>
+        </p:style>
+        <p:txBody>
+          <a:bodyPr rtlCol="0" anchor="ctr"/>
+          <a:lstStyle/>
+          <a:p>
+            <a:pPr algn="ctr"/>
+            <a:endParaRPr lang="en-US"/>
+          </a:p>
+        </p:txBody>
+      </p:sp>
+      <p:sp>
+        <p:nvSpPr>
+          <p:cNvPr id="30" name="Chord 29"/>
+          <p:cNvSpPr/>
+          <p:nvPr/>
+        </p:nvSpPr>
+        <p:spPr>
+          <a:xfrm rot="5400000">
+            <a:off x="1474527" y="1228566"/>
+            <a:ext cx="556128" cy="528053"/>
+          </a:xfrm>
+          <a:prstGeom prst="chord">
+            <a:avLst>
+              <a:gd name="adj1" fmla="val 5659388"/>
+              <a:gd name="adj2" fmla="val 15964670"/>
+            </a:avLst>
+          </a:prstGeom>
+          <a:solidFill>
+            <a:srgbClr val="FF0000">
+              <a:alpha val="86000"/>
+            </a:srgbClr>
+          </a:solidFill>
+          <a:ln>
+            <a:noFill/>
+          </a:ln>
+        </p:spPr>
+        <p:style>
+          <a:lnRef idx="1">
+            <a:schemeClr val="accent1"/>
+          </a:lnRef>
+          <a:fillRef idx="3">
+            <a:schemeClr val="accent1"/>
+          </a:fillRef>
+          <a:effectRef idx="2">
+            <a:schemeClr val="accent1"/>
+          </a:effectRef>
+          <a:fontRef idx="minor">
+            <a:schemeClr val="lt1"/>
+          </a:fontRef>
+        </p:style>
+        <p:txBody>
+          <a:bodyPr rtlCol="0" anchor="ctr"/>
+          <a:lstStyle/>
+          <a:p>
+            <a:pPr algn="ctr"/>
+            <a:endParaRPr lang="en-US"/>
+          </a:p>
+        </p:txBody>
+      </p:sp>
+      <p:sp>
+        <p:nvSpPr>
+          <p:cNvPr id="85" name="Oval 84"/>
+          <p:cNvSpPr/>
+          <p:nvPr/>
+        </p:nvSpPr>
+        <p:spPr>
+          <a:xfrm>
+            <a:off x="6664961" y="1069482"/>
+            <a:ext cx="919029" cy="848895"/>
+          </a:xfrm>
+          <a:prstGeom prst="ellipse">
+            <a:avLst/>
+          </a:prstGeom>
+          <a:solidFill>
+            <a:srgbClr val="FF0000">
+              <a:alpha val="89000"/>
+            </a:srgbClr>
+          </a:solidFill>
+          <a:ln>
+            <a:noFill/>
+          </a:ln>
+        </p:spPr>
+        <p:style>
+          <a:lnRef idx="1">
+            <a:schemeClr val="accent1"/>
+          </a:lnRef>
+          <a:fillRef idx="3">
+            <a:schemeClr val="accent1"/>
+          </a:fillRef>
+          <a:effectRef idx="2">
+            <a:schemeClr val="accent1"/>
+          </a:effectRef>
+          <a:fontRef idx="minor">
+            <a:schemeClr val="lt1"/>
+          </a:fontRef>
+        </p:style>
+        <p:txBody>
+          <a:bodyPr rtlCol="0" anchor="ctr"/>
+          <a:lstStyle/>
+          <a:p>
+            <a:pPr algn="ctr"/>
+            <a:endParaRPr lang="en-US"/>
+          </a:p>
+        </p:txBody>
+      </p:sp>
+      <p:sp>
+        <p:nvSpPr>
+          <p:cNvPr id="86" name="Oval 85"/>
+          <p:cNvSpPr/>
+          <p:nvPr/>
+        </p:nvSpPr>
+        <p:spPr>
+          <a:xfrm>
+            <a:off x="6991684" y="1459841"/>
+            <a:ext cx="280737" cy="82215"/>
+          </a:xfrm>
+          <a:prstGeom prst="ellipse">
+            <a:avLst/>
+          </a:prstGeom>
+          <a:solidFill>
+            <a:srgbClr val="3366FF">
+              <a:alpha val="64000"/>
+            </a:srgbClr>
+          </a:solidFill>
+          <a:ln>
+            <a:noFill/>
+          </a:ln>
+        </p:spPr>
+        <p:style>
+          <a:lnRef idx="1">
+            <a:schemeClr val="accent1"/>
+          </a:lnRef>
+          <a:fillRef idx="3">
+            <a:schemeClr val="accent1"/>
+          </a:fillRef>
+          <a:effectRef idx="2">
+            <a:schemeClr val="accent1"/>
+          </a:effectRef>
+          <a:fontRef idx="minor">
+            <a:schemeClr val="lt1"/>
+          </a:fontRef>
+        </p:style>
+        <p:txBody>
+          <a:bodyPr rtlCol="0" anchor="ctr"/>
+          <a:lstStyle/>
+          <a:p>
+            <a:pPr algn="ctr"/>
+            <a:endParaRPr lang="en-US"/>
           </a:p>
         </p:txBody>
       </p:sp>
